--- a/modelo_new.pptx
+++ b/modelo_new.pptx
@@ -11168,16 +11168,22 @@
       </p:grpSpPr>
       <p:grpSp>
         <p:nvGrpSpPr>
-          <p:cNvPr id="84" name="Google Shape;84;p13"/>
+          <p:cNvPr id="42" name="Group 41">
+            <a:extLst>
+              <a:ext uri="{FF2B5EF4-FFF2-40B4-BE49-F238E27FC236}">
+                <a16:creationId xmlns:a16="http://schemas.microsoft.com/office/drawing/2014/main" id="{6C8EB591-594F-67AF-655F-3ABA64641715}"/>
+              </a:ext>
+            </a:extLst>
+          </p:cNvPr>
           <p:cNvGrpSpPr/>
           <p:nvPr/>
         </p:nvGrpSpPr>
         <p:grpSpPr>
           <a:xfrm>
-            <a:off x="889055" y="193575"/>
-            <a:ext cx="10679155" cy="5592584"/>
-            <a:chOff x="889055" y="193575"/>
-            <a:chExt cx="10679155" cy="5592584"/>
+            <a:off x="374458" y="868316"/>
+            <a:ext cx="11193752" cy="4945426"/>
+            <a:chOff x="374458" y="868316"/>
+            <a:chExt cx="11193752" cy="4945426"/>
           </a:xfrm>
         </p:grpSpPr>
         <p:sp>
@@ -11188,16 +11194,16 @@
           </p:nvSpPr>
           <p:spPr>
             <a:xfrm>
-              <a:off x="4513099" y="193575"/>
-              <a:ext cx="6395700" cy="4245000"/>
+              <a:off x="4513099" y="890804"/>
+              <a:ext cx="6395700" cy="4343639"/>
             </a:xfrm>
             <a:prstGeom prst="rect">
               <a:avLst/>
             </a:prstGeom>
             <a:noFill/>
-            <a:ln w="19050" cap="flat" cmpd="sng">
+            <a:ln w="19050" cap="flat" cmpd="dbl">
               <a:solidFill>
-                <a:srgbClr val="C00000"/>
+                <a:schemeClr val="tx1"/>
               </a:solidFill>
               <a:prstDash val="dash"/>
               <a:miter lim="800000"/>
@@ -11220,10 +11226,13 @@
                 </a:spcAft>
                 <a:buNone/>
               </a:pPr>
-              <a:endParaRPr sz="1800" b="0" i="0" u="none" strike="noStrike" cap="none">
+              <a:endParaRPr sz="1800" b="0" i="0" u="none" strike="noStrike" cap="none" dirty="0">
                 <a:solidFill>
                   <a:schemeClr val="lt1"/>
                 </a:solidFill>
+                <a:highlight>
+                  <a:srgbClr val="000000"/>
+                </a:highlight>
                 <a:latin typeface="Arial"/>
                 <a:ea typeface="Arial"/>
                 <a:cs typeface="Arial"/>
@@ -11240,7 +11249,7 @@
           </p:nvSpPr>
           <p:spPr>
             <a:xfrm>
-              <a:off x="889055" y="1921753"/>
+              <a:off x="889055" y="2916163"/>
               <a:ext cx="2126001" cy="652204"/>
             </a:xfrm>
             <a:prstGeom prst="rect">
@@ -11298,7 +11307,7 @@
           </p:nvSpPr>
           <p:spPr>
             <a:xfrm>
-              <a:off x="3314718" y="1921753"/>
+              <a:off x="3314718" y="2916163"/>
               <a:ext cx="2126001" cy="652204"/>
             </a:xfrm>
             <a:prstGeom prst="rect">
@@ -11356,7 +11365,7 @@
           </p:nvSpPr>
           <p:spPr>
             <a:xfrm>
-              <a:off x="6822535" y="2968780"/>
+              <a:off x="6822535" y="3963190"/>
               <a:ext cx="2126100" cy="652200"/>
             </a:xfrm>
             <a:prstGeom prst="rect">
@@ -11414,7 +11423,7 @@
           </p:nvSpPr>
           <p:spPr>
             <a:xfrm>
-              <a:off x="1216498" y="2612445"/>
+              <a:off x="1216498" y="3606855"/>
               <a:ext cx="1471117" cy="1001301"/>
             </a:xfrm>
             <a:prstGeom prst="rect">
@@ -11449,7 +11458,7 @@
                 <a:buNone/>
               </a:pPr>
               <a:r>
-                <a:rPr lang="es-PE" sz="1200" b="0" i="0" u="none" strike="noStrike" cap="none">
+                <a:rPr lang="es-PE" sz="1200" b="0" i="0" u="none" strike="noStrike" cap="none" dirty="0">
                   <a:solidFill>
                     <a:schemeClr val="dk1"/>
                   </a:solidFill>
@@ -11458,9 +11467,9 @@
                   <a:cs typeface="Arial"/>
                   <a:sym typeface="Arial"/>
                 </a:rPr>
-                <a:t>clivajes y contradicciones entre sectores sociales</a:t>
+                <a:t>Clivajes y contradicciones entre sectores sociales</a:t>
               </a:r>
-              <a:endParaRPr/>
+              <a:endParaRPr dirty="0"/>
             </a:p>
           </p:txBody>
         </p:sp>
@@ -11472,7 +11481,7 @@
           </p:nvSpPr>
           <p:spPr>
             <a:xfrm>
-              <a:off x="3638005" y="2661829"/>
+              <a:off x="3638005" y="3606855"/>
               <a:ext cx="1471117" cy="1001301"/>
             </a:xfrm>
             <a:prstGeom prst="rect">
@@ -11507,7 +11516,7 @@
                 <a:buNone/>
               </a:pPr>
               <a:r>
-                <a:rPr lang="es-PE" sz="1200" b="0" i="0" u="none" strike="noStrike" cap="none">
+                <a:rPr lang="es-PE" sz="1200" b="0" i="0" u="none" strike="noStrike" cap="none" dirty="0">
                   <a:solidFill>
                     <a:schemeClr val="dk1"/>
                   </a:solidFill>
@@ -11516,9 +11525,9 @@
                   <a:cs typeface="Arial"/>
                   <a:sym typeface="Arial"/>
                 </a:rPr>
-                <a:t>protestas, movilizaciones</a:t>
+                <a:t>Protestas, movilizaciones</a:t>
               </a:r>
-              <a:endParaRPr/>
+              <a:endParaRPr dirty="0"/>
             </a:p>
           </p:txBody>
         </p:sp>
@@ -11530,8 +11539,8 @@
           </p:nvSpPr>
           <p:spPr>
             <a:xfrm>
-              <a:off x="5820951" y="1880375"/>
-              <a:ext cx="2064600" cy="639600"/>
+              <a:off x="5958111" y="2874785"/>
+              <a:ext cx="1229559" cy="639600"/>
             </a:xfrm>
             <a:prstGeom prst="rect">
               <a:avLst/>
@@ -11557,7 +11566,7 @@
                 <a:buNone/>
               </a:pPr>
               <a:r>
-                <a:rPr lang="es-PE" sz="1200" b="0" i="0" u="none" strike="noStrike" cap="none">
+                <a:rPr lang="es-PE" sz="1200" i="1" u="none" strike="noStrike" cap="none" dirty="0">
                   <a:solidFill>
                     <a:schemeClr val="dk1"/>
                   </a:solidFill>
@@ -11566,45 +11575,9 @@
                   <a:cs typeface="Arial"/>
                   <a:sym typeface="Arial"/>
                 </a:rPr>
-                <a:t>destacan </a:t>
+                <a:t>actores permiten negociación</a:t>
               </a:r>
-              <a:r>
-                <a:rPr lang="es-PE" sz="1200" b="1" i="0" u="none" strike="noStrike" cap="none">
-                  <a:solidFill>
-                    <a:schemeClr val="dk1"/>
-                  </a:solidFill>
-                  <a:latin typeface="Arial"/>
-                  <a:ea typeface="Arial"/>
-                  <a:cs typeface="Arial"/>
-                  <a:sym typeface="Arial"/>
-                </a:rPr>
-                <a:t>actores</a:t>
-              </a:r>
-              <a:r>
-                <a:rPr lang="es-PE" sz="1200" b="0" i="0" u="none" strike="noStrike" cap="none">
-                  <a:solidFill>
-                    <a:schemeClr val="dk1"/>
-                  </a:solidFill>
-                  <a:latin typeface="Arial"/>
-                  <a:ea typeface="Arial"/>
-                  <a:cs typeface="Arial"/>
-                  <a:sym typeface="Arial"/>
-                </a:rPr>
-                <a:t> que permiten </a:t>
-              </a:r>
-              <a:r>
-                <a:rPr lang="es-PE" sz="1200" b="1" i="0" u="none" strike="noStrike" cap="none">
-                  <a:solidFill>
-                    <a:schemeClr val="dk1"/>
-                  </a:solidFill>
-                  <a:latin typeface="Arial"/>
-                  <a:ea typeface="Arial"/>
-                  <a:cs typeface="Arial"/>
-                  <a:sym typeface="Arial"/>
-                </a:rPr>
-                <a:t>negociar</a:t>
-              </a:r>
-              <a:endParaRPr/>
+              <a:endParaRPr i="1" dirty="0"/>
             </a:p>
           </p:txBody>
         </p:sp>
@@ -11616,8 +11589,8 @@
           </p:nvSpPr>
           <p:spPr>
             <a:xfrm>
-              <a:off x="7901733" y="1854100"/>
-              <a:ext cx="2297700" cy="787500"/>
+              <a:off x="9242623" y="1884414"/>
+              <a:ext cx="1481295" cy="543157"/>
             </a:xfrm>
             <a:prstGeom prst="rect">
               <a:avLst/>
@@ -11643,7 +11616,7 @@
                 <a:buNone/>
               </a:pPr>
               <a:r>
-                <a:rPr lang="es-PE" sz="1200" b="0" i="0" u="none" strike="noStrike" cap="none" dirty="0">
+                <a:rPr lang="es-PE" sz="1200" i="1" u="none" strike="noStrike" cap="none" dirty="0">
                   <a:solidFill>
                     <a:schemeClr val="dk1"/>
                   </a:solidFill>
@@ -11652,37 +11625,9 @@
                   <a:cs typeface="Arial"/>
                   <a:sym typeface="Arial"/>
                 </a:rPr>
-                <a:t>coalici</a:t>
+                <a:t>Institucionalización evita reversion</a:t>
               </a:r>
-              <a:r>
-                <a:rPr lang="es-PE" sz="1200" dirty="0">
-                  <a:solidFill>
-                    <a:schemeClr val="dk1"/>
-                  </a:solidFill>
-                </a:rPr>
-                <a:t>ones que facilitan legados</a:t>
-              </a:r>
-              <a:r>
-                <a:rPr lang="es-PE" sz="1200" b="0" i="0" u="none" strike="noStrike" cap="none" dirty="0">
-                  <a:solidFill>
-                    <a:schemeClr val="dk1"/>
-                  </a:solidFill>
-                  <a:latin typeface="Arial"/>
-                  <a:ea typeface="Arial"/>
-                  <a:cs typeface="Arial"/>
-                  <a:sym typeface="Arial"/>
-                </a:rPr>
-                <a:t>  </a:t>
-              </a:r>
-              <a:r>
-                <a:rPr lang="es-PE" sz="1200" dirty="0">
-                  <a:solidFill>
-                    <a:schemeClr val="dk1"/>
-                  </a:solidFill>
-                </a:rPr>
-                <a:t>se disuelves si no se institucionalizan</a:t>
-              </a:r>
-              <a:endParaRPr sz="1200" dirty="0">
+              <a:endParaRPr sz="1200" i="1" dirty="0">
                 <a:solidFill>
                   <a:schemeClr val="dk1"/>
                 </a:solidFill>
@@ -11698,8 +11643,8 @@
           </p:nvSpPr>
           <p:spPr>
             <a:xfrm>
-              <a:off x="9034440" y="2805729"/>
-              <a:ext cx="1548300" cy="978300"/>
+              <a:off x="6987310" y="4653747"/>
+              <a:ext cx="1797580" cy="489174"/>
             </a:xfrm>
             <a:prstGeom prst="rect">
               <a:avLst/>
@@ -11756,8 +11701,8 @@
           </p:nvSpPr>
           <p:spPr>
             <a:xfrm>
-              <a:off x="9034453" y="711683"/>
-              <a:ext cx="1548300" cy="978300"/>
+              <a:off x="6987310" y="1241546"/>
+              <a:ext cx="1797580" cy="563557"/>
             </a:xfrm>
             <a:prstGeom prst="rect">
               <a:avLst/>
@@ -11791,26 +11736,22 @@
                 <a:buNone/>
               </a:pPr>
               <a:r>
-                <a:rPr lang="es-PE" sz="1200">
+                <a:rPr lang="es-PE" sz="1200" dirty="0">
                   <a:solidFill>
                     <a:schemeClr val="dk1"/>
                   </a:solidFill>
                 </a:rPr>
-                <a:t>resultados</a:t>
+                <a:t>Avance Democrático institucionalizado</a:t>
               </a:r>
-              <a:r>
-                <a:rPr lang="es-PE" sz="1200" b="0" i="0" u="none" strike="noStrike" cap="none">
-                  <a:solidFill>
-                    <a:schemeClr val="dk1"/>
-                  </a:solidFill>
-                  <a:latin typeface="Arial"/>
-                  <a:ea typeface="Arial"/>
-                  <a:cs typeface="Arial"/>
-                  <a:sym typeface="Arial"/>
-                </a:rPr>
-                <a:t> democratizadores de larga duración </a:t>
-              </a:r>
-              <a:endParaRPr/>
+              <a:endParaRPr lang="es-PE" sz="1200" b="0" i="0" u="none" strike="noStrike" cap="none" dirty="0">
+                <a:solidFill>
+                  <a:schemeClr val="dk1"/>
+                </a:solidFill>
+                <a:latin typeface="Arial"/>
+                <a:ea typeface="Arial"/>
+                <a:cs typeface="Arial"/>
+                <a:sym typeface="Arial"/>
+              </a:endParaRPr>
             </a:p>
           </p:txBody>
         </p:sp>
@@ -11822,8 +11763,8 @@
           </p:nvSpPr>
           <p:spPr>
             <a:xfrm>
-              <a:off x="2640553" y="3807072"/>
-              <a:ext cx="1029193" cy="423306"/>
+              <a:off x="374458" y="5081541"/>
+              <a:ext cx="1029193" cy="464206"/>
             </a:xfrm>
             <a:prstGeom prst="rect">
               <a:avLst/>
@@ -11849,7 +11790,7 @@
                 <a:buNone/>
               </a:pPr>
               <a:r>
-                <a:rPr lang="es-PE" sz="1200" b="0" i="0" u="none" strike="noStrike" cap="none">
+                <a:rPr lang="es-PE" sz="1200" i="1" u="none" strike="noStrike" cap="none" dirty="0">
                   <a:solidFill>
                     <a:schemeClr val="dk1"/>
                   </a:solidFill>
@@ -11858,9 +11799,9 @@
                   <a:cs typeface="Arial"/>
                   <a:sym typeface="Arial"/>
                 </a:rPr>
-                <a:t>hitos que detonan </a:t>
+                <a:t>Hitos que detonan </a:t>
               </a:r>
-              <a:endParaRPr/>
+              <a:endParaRPr i="1" dirty="0"/>
             </a:p>
           </p:txBody>
         </p:sp>
@@ -11872,7 +11813,7 @@
           </p:nvSpPr>
           <p:spPr>
             <a:xfrm>
-              <a:off x="6822535" y="874727"/>
+              <a:off x="6822535" y="1869137"/>
               <a:ext cx="2126100" cy="652200"/>
             </a:xfrm>
             <a:prstGeom prst="rect">
@@ -11930,8 +11871,8 @@
           </p:nvSpPr>
           <p:spPr>
             <a:xfrm>
-              <a:off x="3396621" y="4998603"/>
-              <a:ext cx="1817940" cy="787556"/>
+              <a:off x="1665187" y="1217949"/>
+              <a:ext cx="1381119" cy="459997"/>
             </a:xfrm>
             <a:prstGeom prst="rect">
               <a:avLst/>
@@ -11957,7 +11898,7 @@
                 <a:buNone/>
               </a:pPr>
               <a:r>
-                <a:rPr lang="es-PE" sz="1200" b="0" i="0" u="none" strike="noStrike" cap="none">
+                <a:rPr lang="es-PE" sz="1200" i="1" u="none" strike="noStrike" cap="none" dirty="0">
                   <a:solidFill>
                     <a:schemeClr val="dk1"/>
                   </a:solidFill>
@@ -11966,33 +11907,9 @@
                   <a:cs typeface="Arial"/>
                   <a:sym typeface="Arial"/>
                 </a:rPr>
-                <a:t>puede </a:t>
+                <a:t>Coalición de movilización</a:t>
               </a:r>
-              <a:r>
-                <a:rPr lang="es-PE" sz="1200" b="1" i="0" u="none" strike="noStrike" cap="none">
-                  <a:solidFill>
-                    <a:schemeClr val="dk1"/>
-                  </a:solidFill>
-                  <a:latin typeface="Arial"/>
-                  <a:ea typeface="Arial"/>
-                  <a:cs typeface="Arial"/>
-                  <a:sym typeface="Arial"/>
-                </a:rPr>
-                <a:t>democratizar</a:t>
-              </a:r>
-              <a:r>
-                <a:rPr lang="es-PE" sz="1200" b="0" i="0" u="none" strike="noStrike" cap="none">
-                  <a:solidFill>
-                    <a:schemeClr val="dk1"/>
-                  </a:solidFill>
-                  <a:latin typeface="Arial"/>
-                  <a:ea typeface="Arial"/>
-                  <a:cs typeface="Arial"/>
-                  <a:sym typeface="Arial"/>
-                </a:rPr>
-                <a:t> el campo de participación al incluir nuevos actores </a:t>
-              </a:r>
-              <a:endParaRPr/>
+              <a:endParaRPr i="1" dirty="0"/>
             </a:p>
           </p:txBody>
         </p:sp>
@@ -12006,8 +11923,8 @@
             <p:nvPr/>
           </p:nvCxnSpPr>
           <p:spPr>
-            <a:xfrm rot="-5400000" flipH="1">
-              <a:off x="3164656" y="709153"/>
+            <a:xfrm rot="16200000" flipH="1">
+              <a:off x="3164656" y="1703563"/>
               <a:ext cx="600" cy="2425800"/>
             </a:xfrm>
             <a:prstGeom prst="curvedConnector3">
@@ -12027,71 +11944,18 @@
             </a:ln>
           </p:spPr>
         </p:cxnSp>
-        <p:sp>
-          <p:nvSpPr>
-            <p:cNvPr id="99" name="Google Shape;99;p13"/>
-            <p:cNvSpPr/>
-            <p:nvPr/>
-          </p:nvSpPr>
-          <p:spPr>
-            <a:xfrm rot="-5400000">
-              <a:off x="4138812" y="4024103"/>
-              <a:ext cx="292135" cy="1648486"/>
-            </a:xfrm>
-            <a:prstGeom prst="leftBrace">
-              <a:avLst>
-                <a:gd name="adj1" fmla="val 8333"/>
-                <a:gd name="adj2" fmla="val 50000"/>
-              </a:avLst>
-            </a:prstGeom>
-            <a:noFill/>
-            <a:ln w="19050" cap="flat" cmpd="sng">
-              <a:solidFill>
-                <a:schemeClr val="dk1"/>
-              </a:solidFill>
-              <a:prstDash val="solid"/>
-              <a:miter lim="800000"/>
-              <a:headEnd type="none" w="sm" len="sm"/>
-              <a:tailEnd type="none" w="sm" len="sm"/>
-            </a:ln>
-          </p:spPr>
-          <p:txBody>
-            <a:bodyPr spcFirstLastPara="1" wrap="square" lIns="91425" tIns="45700" rIns="91425" bIns="45700" anchor="ctr" anchorCtr="0">
-              <a:noAutofit/>
-            </a:bodyPr>
-            <a:lstStyle/>
-            <a:p>
-              <a:pPr marL="0" marR="0" lvl="0" indent="0" algn="ctr" rtl="0">
-                <a:spcBef>
-                  <a:spcPts val="0"/>
-                </a:spcBef>
-                <a:spcAft>
-                  <a:spcPts val="0"/>
-                </a:spcAft>
-                <a:buNone/>
-              </a:pPr>
-              <a:endParaRPr sz="1600" b="0" i="0" u="none" strike="noStrike" cap="none">
-                <a:solidFill>
-                  <a:schemeClr val="dk1"/>
-                </a:solidFill>
-                <a:latin typeface="Arial"/>
-                <a:ea typeface="Arial"/>
-                <a:cs typeface="Arial"/>
-                <a:sym typeface="Arial"/>
-              </a:endParaRPr>
-            </a:p>
-          </p:txBody>
-        </p:sp>
         <p:cxnSp>
           <p:nvCxnSpPr>
             <p:cNvPr id="100" name="Google Shape;100;p13"/>
-            <p:cNvCxnSpPr/>
+            <p:cNvCxnSpPr>
+              <a:cxnSpLocks/>
+            </p:cNvCxnSpPr>
             <p:nvPr/>
           </p:nvCxnSpPr>
           <p:spPr>
             <a:xfrm>
-              <a:off x="5346997" y="5475213"/>
-              <a:ext cx="5561771" cy="0"/>
+              <a:off x="2834640" y="5800461"/>
+              <a:ext cx="4777740" cy="0"/>
             </a:xfrm>
             <a:prstGeom prst="straightConnector1">
               <a:avLst/>
@@ -12099,12 +11963,12 @@
             <a:noFill/>
             <a:ln w="19050" cap="flat" cmpd="sng">
               <a:solidFill>
-                <a:schemeClr val="dk2"/>
+                <a:schemeClr val="tx1"/>
               </a:solidFill>
               <a:prstDash val="dash"/>
               <a:miter lim="800000"/>
-              <a:headEnd type="none" w="sm" len="sm"/>
-              <a:tailEnd type="triangle" w="med" len="med"/>
+              <a:headEnd type="none" w="med" len="med"/>
+              <a:tailEnd type="arrow" w="med" len="med"/>
             </a:ln>
           </p:spPr>
         </p:cxnSp>
@@ -12116,8 +11980,8 @@
           </p:nvSpPr>
           <p:spPr>
             <a:xfrm>
-              <a:off x="7218912" y="4994414"/>
-              <a:ext cx="1817940" cy="543157"/>
+              <a:off x="4547389" y="5234444"/>
+              <a:ext cx="2973551" cy="543157"/>
             </a:xfrm>
             <a:prstGeom prst="rect">
               <a:avLst/>
@@ -12133,28 +11997,20 @@
             </a:bodyPr>
             <a:lstStyle/>
             <a:p>
-              <a:pPr marL="0" marR="0" lvl="0" indent="0" algn="ctr" rtl="0">
-                <a:spcBef>
-                  <a:spcPts val="0"/>
-                </a:spcBef>
-                <a:spcAft>
-                  <a:spcPts val="0"/>
-                </a:spcAft>
-                <a:buNone/>
-              </a:pPr>
+              <a:pPr algn="ctr"/>
               <a:r>
-                <a:rPr lang="es-PE" sz="1200" b="0" i="0" u="none" strike="noStrike" cap="none">
+                <a:rPr lang="es-PE" b="1" dirty="0">
                   <a:solidFill>
-                    <a:schemeClr val="dk1"/>
+                    <a:schemeClr val="tx1"/>
                   </a:solidFill>
-                  <a:latin typeface="Arial"/>
-                  <a:ea typeface="Arial"/>
-                  <a:cs typeface="Arial"/>
-                  <a:sym typeface="Arial"/>
                 </a:rPr>
-                <a:t>proceso de democratización </a:t>
+                <a:t>Emergencia de la democracia desde periferia</a:t>
               </a:r>
-              <a:endParaRPr/>
+              <a:endParaRPr b="1" dirty="0">
+                <a:solidFill>
+                  <a:schemeClr val="tx1"/>
+                </a:solidFill>
+              </a:endParaRPr>
             </a:p>
           </p:txBody>
         </p:sp>
@@ -12166,7 +12022,7 @@
           </p:nvSpPr>
           <p:spPr>
             <a:xfrm>
-              <a:off x="3509010" y="342536"/>
+              <a:off x="3509010" y="868316"/>
               <a:ext cx="8059200" cy="299100"/>
             </a:xfrm>
             <a:prstGeom prst="rect">
@@ -12193,14 +12049,18 @@
                 <a:buNone/>
               </a:pPr>
               <a:r>
-                <a:rPr lang="es-PE" b="1" i="0" u="none" strike="noStrike" cap="none">
+                <a:rPr lang="es-PE" b="1" i="0" u="none" strike="noStrike" cap="none" dirty="0">
                   <a:solidFill>
-                    <a:srgbClr val="C00000"/>
+                    <a:schemeClr val="tx1"/>
                   </a:solidFill>
                 </a:rPr>
                 <a:t>Marco de posibilidades estatales  nacionales </a:t>
               </a:r>
-              <a:endParaRPr sz="1600" b="1"/>
+              <a:endParaRPr sz="1600" b="1" dirty="0">
+                <a:solidFill>
+                  <a:schemeClr val="tx1"/>
+                </a:solidFill>
+              </a:endParaRPr>
             </a:p>
           </p:txBody>
         </p:sp>
@@ -12215,7 +12075,7 @@
           </p:nvCxnSpPr>
           <p:spPr>
             <a:xfrm rot="10800000" flipH="1">
-              <a:off x="5440719" y="1200855"/>
+              <a:off x="5440719" y="2195265"/>
               <a:ext cx="1381800" cy="1047000"/>
             </a:xfrm>
             <a:prstGeom prst="curvedConnector3">
@@ -12246,7 +12106,7 @@
           </p:nvCxnSpPr>
           <p:spPr>
             <a:xfrm>
-              <a:off x="5440719" y="2247855"/>
+              <a:off x="5440719" y="3242265"/>
               <a:ext cx="1381800" cy="1047000"/>
             </a:xfrm>
             <a:prstGeom prst="curvedConnector3">
@@ -12268,21 +12128,63 @@
         </p:cxnSp>
         <p:cxnSp>
           <p:nvCxnSpPr>
-            <p:cNvPr id="105" name="Google Shape;105;p13"/>
+            <p:cNvPr id="2" name="Google Shape;98;p13">
+              <a:extLst>
+                <a:ext uri="{FF2B5EF4-FFF2-40B4-BE49-F238E27FC236}">
+                  <a16:creationId xmlns:a16="http://schemas.microsoft.com/office/drawing/2014/main" id="{5CB266FF-0936-A13A-7862-5A7F1A728EEF}"/>
+                </a:ext>
+              </a:extLst>
+            </p:cNvPr>
             <p:cNvCxnSpPr>
-              <a:stCxn id="88" idx="0"/>
-              <a:endCxn id="96" idx="2"/>
+              <a:cxnSpLocks/>
+              <a:stCxn id="95" idx="0"/>
+              <a:endCxn id="89" idx="1"/>
             </p:cNvCxnSpPr>
             <p:nvPr/>
           </p:nvCxnSpPr>
           <p:spPr>
-            <a:xfrm rot="-5400000">
-              <a:off x="7164985" y="2247580"/>
-              <a:ext cx="1441800" cy="600"/>
+            <a:xfrm rot="5400000" flipH="1" flipV="1">
+              <a:off x="565759" y="4430803"/>
+              <a:ext cx="974035" cy="327443"/>
+            </a:xfrm>
+            <a:prstGeom prst="curvedConnector2">
+              <a:avLst/>
+            </a:prstGeom>
+            <a:noFill/>
+            <a:ln w="19050" cap="flat" cmpd="sng">
+              <a:solidFill>
+                <a:schemeClr val="dk1"/>
+              </a:solidFill>
+              <a:prstDash val="sysDot"/>
+              <a:miter lim="800000"/>
+              <a:headEnd type="none" w="sm" len="sm"/>
+              <a:tailEnd type="triangle" w="med" len="med"/>
+            </a:ln>
+          </p:spPr>
+        </p:cxnSp>
+        <p:cxnSp>
+          <p:nvCxnSpPr>
+            <p:cNvPr id="5" name="Google Shape;98;p13">
+              <a:extLst>
+                <a:ext uri="{FF2B5EF4-FFF2-40B4-BE49-F238E27FC236}">
+                  <a16:creationId xmlns:a16="http://schemas.microsoft.com/office/drawing/2014/main" id="{7D3E494E-A235-8006-AC40-628016C4164F}"/>
+                </a:ext>
+              </a:extLst>
+            </p:cNvPr>
+            <p:cNvCxnSpPr>
+              <a:cxnSpLocks/>
+              <a:stCxn id="97" idx="2"/>
+            </p:cNvCxnSpPr>
+            <p:nvPr/>
+          </p:nvCxnSpPr>
+          <p:spPr>
+            <a:xfrm rot="16200000" flipH="1">
+              <a:off x="2340686" y="1693006"/>
+              <a:ext cx="744713" cy="714591"/>
             </a:xfrm>
             <a:prstGeom prst="curvedConnector3">
               <a:avLst>
-                <a:gd name="adj1" fmla="val 50002"/>
+                <a:gd name="adj1" fmla="val 50000"/>
               </a:avLst>
             </a:prstGeom>
             <a:noFill/>
@@ -12290,7 +12192,307 @@
               <a:solidFill>
                 <a:schemeClr val="dk1"/>
               </a:solidFill>
-              <a:prstDash val="solid"/>
+              <a:prstDash val="sysDot"/>
+              <a:miter lim="800000"/>
+              <a:headEnd type="none" w="sm" len="sm"/>
+              <a:tailEnd type="triangle" w="med" len="med"/>
+            </a:ln>
+          </p:spPr>
+        </p:cxnSp>
+        <p:cxnSp>
+          <p:nvCxnSpPr>
+            <p:cNvPr id="9" name="Google Shape;100;p13">
+              <a:extLst>
+                <a:ext uri="{FF2B5EF4-FFF2-40B4-BE49-F238E27FC236}">
+                  <a16:creationId xmlns:a16="http://schemas.microsoft.com/office/drawing/2014/main" id="{16329FDB-AEE3-ACA7-91DD-FF37B985B37E}"/>
+                </a:ext>
+              </a:extLst>
+            </p:cNvPr>
+            <p:cNvCxnSpPr>
+              <a:cxnSpLocks/>
+            </p:cNvCxnSpPr>
+            <p:nvPr/>
+          </p:nvCxnSpPr>
+          <p:spPr>
+            <a:xfrm>
+              <a:off x="7886700" y="5813742"/>
+              <a:ext cx="3064991" cy="0"/>
+            </a:xfrm>
+            <a:prstGeom prst="straightConnector1">
+              <a:avLst/>
+            </a:prstGeom>
+            <a:noFill/>
+            <a:ln w="19050" cap="flat" cmpd="dbl">
+              <a:solidFill>
+                <a:schemeClr val="tx1"/>
+              </a:solidFill>
+              <a:prstDash val="dash"/>
+              <a:miter lim="800000"/>
+              <a:headEnd type="arrow" w="med" len="med"/>
+              <a:tailEnd type="none" w="med" len="med"/>
+            </a:ln>
+          </p:spPr>
+        </p:cxnSp>
+        <p:sp>
+          <p:nvSpPr>
+            <p:cNvPr id="10" name="Google Shape;101;p13">
+              <a:extLst>
+                <a:ext uri="{FF2B5EF4-FFF2-40B4-BE49-F238E27FC236}">
+                  <a16:creationId xmlns:a16="http://schemas.microsoft.com/office/drawing/2014/main" id="{B7965F9F-2B16-3160-CE0C-1567399F5FED}"/>
+                </a:ext>
+              </a:extLst>
+            </p:cNvPr>
+            <p:cNvSpPr/>
+            <p:nvPr/>
+          </p:nvSpPr>
+          <p:spPr>
+            <a:xfrm>
+              <a:off x="8664300" y="5266963"/>
+              <a:ext cx="1918440" cy="493779"/>
+            </a:xfrm>
+            <a:prstGeom prst="rect">
+              <a:avLst/>
+            </a:prstGeom>
+            <a:noFill/>
+            <a:ln>
+              <a:noFill/>
+            </a:ln>
+          </p:spPr>
+          <p:txBody>
+            <a:bodyPr spcFirstLastPara="1" wrap="square" lIns="91425" tIns="45700" rIns="91425" bIns="45700" anchor="ctr" anchorCtr="0">
+              <a:noAutofit/>
+            </a:bodyPr>
+            <a:lstStyle/>
+            <a:p>
+              <a:pPr algn="ctr"/>
+              <a:r>
+                <a:rPr lang="es-PE" b="1" dirty="0">
+                  <a:solidFill>
+                    <a:schemeClr val="tx1"/>
+                  </a:solidFill>
+                </a:rPr>
+                <a:t>Respuesta del poder central</a:t>
+              </a:r>
+              <a:endParaRPr b="1" dirty="0">
+                <a:solidFill>
+                  <a:schemeClr val="tx1"/>
+                </a:solidFill>
+              </a:endParaRPr>
+            </a:p>
+          </p:txBody>
+        </p:sp>
+        <p:sp>
+          <p:nvSpPr>
+            <p:cNvPr id="17" name="Freeform 16">
+              <a:extLst>
+                <a:ext uri="{FF2B5EF4-FFF2-40B4-BE49-F238E27FC236}">
+                  <a16:creationId xmlns:a16="http://schemas.microsoft.com/office/drawing/2014/main" id="{CD807A8D-06C9-81B1-61B8-7DF039E7CD77}"/>
+                </a:ext>
+              </a:extLst>
+            </p:cNvPr>
+            <p:cNvSpPr/>
+            <p:nvPr/>
+          </p:nvSpPr>
+          <p:spPr>
+            <a:xfrm>
+              <a:off x="7383736" y="2526030"/>
+              <a:ext cx="502964" cy="1417320"/>
+            </a:xfrm>
+            <a:custGeom>
+              <a:avLst/>
+              <a:gdLst>
+                <a:gd name="connsiteX0" fmla="*/ 502964 w 502964"/>
+                <a:gd name="connsiteY0" fmla="*/ 1417320 h 1417320"/>
+                <a:gd name="connsiteX1" fmla="*/ 44 w 502964"/>
+                <a:gd name="connsiteY1" fmla="*/ 822960 h 1417320"/>
+                <a:gd name="connsiteX2" fmla="*/ 480104 w 502964"/>
+                <a:gd name="connsiteY2" fmla="*/ 0 h 1417320"/>
+              </a:gdLst>
+              <a:ahLst/>
+              <a:cxnLst>
+                <a:cxn ang="0">
+                  <a:pos x="connsiteX0" y="connsiteY0"/>
+                </a:cxn>
+                <a:cxn ang="0">
+                  <a:pos x="connsiteX1" y="connsiteY1"/>
+                </a:cxn>
+                <a:cxn ang="0">
+                  <a:pos x="connsiteX2" y="connsiteY2"/>
+                </a:cxn>
+              </a:cxnLst>
+              <a:rect l="l" t="t" r="r" b="b"/>
+              <a:pathLst>
+                <a:path w="502964" h="1417320">
+                  <a:moveTo>
+                    <a:pt x="502964" y="1417320"/>
+                  </a:moveTo>
+                  <a:cubicBezTo>
+                    <a:pt x="253409" y="1238250"/>
+                    <a:pt x="3854" y="1059180"/>
+                    <a:pt x="44" y="822960"/>
+                  </a:cubicBezTo>
+                  <a:cubicBezTo>
+                    <a:pt x="-3766" y="586740"/>
+                    <a:pt x="238169" y="293370"/>
+                    <a:pt x="480104" y="0"/>
+                  </a:cubicBezTo>
+                </a:path>
+              </a:pathLst>
+            </a:custGeom>
+            <a:noFill/>
+            <a:ln>
+              <a:headEnd type="none" w="med" len="med"/>
+              <a:tailEnd type="arrow" w="med" len="med"/>
+            </a:ln>
+          </p:spPr>
+          <p:style>
+            <a:lnRef idx="2">
+              <a:schemeClr val="accent1">
+                <a:shade val="15000"/>
+              </a:schemeClr>
+            </a:lnRef>
+            <a:fillRef idx="1">
+              <a:schemeClr val="accent1"/>
+            </a:fillRef>
+            <a:effectRef idx="0">
+              <a:schemeClr val="accent1"/>
+            </a:effectRef>
+            <a:fontRef idx="minor">
+              <a:schemeClr val="lt1"/>
+            </a:fontRef>
+          </p:style>
+          <p:txBody>
+            <a:bodyPr rtlCol="0" anchor="ctr"/>
+            <a:lstStyle/>
+            <a:p>
+              <a:pPr algn="ctr"/>
+              <a:endParaRPr lang="es-ES_tradnl"/>
+            </a:p>
+          </p:txBody>
+        </p:sp>
+        <p:cxnSp>
+          <p:nvCxnSpPr>
+            <p:cNvPr id="18" name="Google Shape;98;p13">
+              <a:extLst>
+                <a:ext uri="{FF2B5EF4-FFF2-40B4-BE49-F238E27FC236}">
+                  <a16:creationId xmlns:a16="http://schemas.microsoft.com/office/drawing/2014/main" id="{FE325691-3C44-9881-5067-B624500D3F91}"/>
+                </a:ext>
+              </a:extLst>
+            </p:cNvPr>
+            <p:cNvCxnSpPr>
+              <a:cxnSpLocks/>
+            </p:cNvCxnSpPr>
+            <p:nvPr/>
+          </p:nvCxnSpPr>
+          <p:spPr>
+            <a:xfrm rot="16200000" flipV="1">
+              <a:off x="9170640" y="1165436"/>
+              <a:ext cx="316306" cy="1034636"/>
+            </a:xfrm>
+            <a:prstGeom prst="curvedConnector2">
+              <a:avLst/>
+            </a:prstGeom>
+            <a:noFill/>
+            <a:ln w="19050" cap="flat" cmpd="sng">
+              <a:solidFill>
+                <a:schemeClr val="dk1"/>
+              </a:solidFill>
+              <a:prstDash val="sysDot"/>
+              <a:miter lim="800000"/>
+              <a:headEnd type="none" w="sm" len="sm"/>
+              <a:tailEnd type="triangle" w="med" len="med"/>
+            </a:ln>
+          </p:spPr>
+        </p:cxnSp>
+        <p:sp>
+          <p:nvSpPr>
+            <p:cNvPr id="31" name="Google Shape;92;p13">
+              <a:extLst>
+                <a:ext uri="{FF2B5EF4-FFF2-40B4-BE49-F238E27FC236}">
+                  <a16:creationId xmlns:a16="http://schemas.microsoft.com/office/drawing/2014/main" id="{6F67B8FE-2112-95D6-CE66-03EFF238BF14}"/>
+                </a:ext>
+              </a:extLst>
+            </p:cNvPr>
+            <p:cNvSpPr/>
+            <p:nvPr/>
+          </p:nvSpPr>
+          <p:spPr>
+            <a:xfrm>
+              <a:off x="9212143" y="4037064"/>
+              <a:ext cx="1481295" cy="543157"/>
+            </a:xfrm>
+            <a:prstGeom prst="rect">
+              <a:avLst/>
+            </a:prstGeom>
+            <a:noFill/>
+            <a:ln>
+              <a:noFill/>
+            </a:ln>
+          </p:spPr>
+          <p:txBody>
+            <a:bodyPr spcFirstLastPara="1" wrap="square" lIns="91425" tIns="45700" rIns="91425" bIns="45700" anchor="ctr" anchorCtr="0">
+              <a:noAutofit/>
+            </a:bodyPr>
+            <a:lstStyle/>
+            <a:p>
+              <a:pPr marL="0" marR="0" lvl="0" indent="0" algn="l" rtl="0">
+                <a:spcBef>
+                  <a:spcPts val="0"/>
+                </a:spcBef>
+                <a:spcAft>
+                  <a:spcPts val="0"/>
+                </a:spcAft>
+                <a:buNone/>
+              </a:pPr>
+              <a:r>
+                <a:rPr lang="es-PE" sz="1200" i="1" u="none" strike="noStrike" cap="none" dirty="0">
+                  <a:solidFill>
+                    <a:schemeClr val="dk1"/>
+                  </a:solidFill>
+                  <a:latin typeface="Arial"/>
+                  <a:ea typeface="Arial"/>
+                  <a:cs typeface="Arial"/>
+                  <a:sym typeface="Arial"/>
+                </a:rPr>
+                <a:t>Coalición de gobernanza </a:t>
+              </a:r>
+              <a:endParaRPr sz="1200" i="1" dirty="0">
+                <a:solidFill>
+                  <a:schemeClr val="dk1"/>
+                </a:solidFill>
+              </a:endParaRPr>
+            </a:p>
+          </p:txBody>
+        </p:sp>
+        <p:cxnSp>
+          <p:nvCxnSpPr>
+            <p:cNvPr id="32" name="Google Shape;98;p13">
+              <a:extLst>
+                <a:ext uri="{FF2B5EF4-FFF2-40B4-BE49-F238E27FC236}">
+                  <a16:creationId xmlns:a16="http://schemas.microsoft.com/office/drawing/2014/main" id="{89F0FB04-C48B-AED6-5C27-36D1FE34E821}"/>
+                </a:ext>
+              </a:extLst>
+            </p:cNvPr>
+            <p:cNvCxnSpPr>
+              <a:cxnSpLocks/>
+              <a:stCxn id="31" idx="0"/>
+            </p:cNvCxnSpPr>
+            <p:nvPr/>
+          </p:nvCxnSpPr>
+          <p:spPr>
+            <a:xfrm rot="16200000" flipV="1">
+              <a:off x="8375584" y="2459857"/>
+              <a:ext cx="814007" cy="2340408"/>
+            </a:xfrm>
+            <a:prstGeom prst="curvedConnector2">
+              <a:avLst/>
+            </a:prstGeom>
+            <a:noFill/>
+            <a:ln w="19050" cap="flat" cmpd="sng">
+              <a:solidFill>
+                <a:schemeClr val="dk1"/>
+              </a:solidFill>
+              <a:prstDash val="sysDot"/>
               <a:miter lim="800000"/>
               <a:headEnd type="none" w="sm" len="sm"/>
               <a:tailEnd type="triangle" w="med" len="med"/>
@@ -12358,8 +12560,8 @@
         </p:blipFill>
         <p:spPr bwMode="auto">
           <a:xfrm>
-            <a:off x="952500" y="0"/>
-            <a:ext cx="10287000" cy="6858000"/>
+            <a:off x="2583542" y="1087362"/>
+            <a:ext cx="8655957" cy="5770638"/>
           </a:xfrm>
           <a:prstGeom prst="rect">
             <a:avLst/>

--- a/modelo_new.pptx
+++ b/modelo_new.pptx
@@ -5,19 +5,26 @@
     <p:sldMasterId id="2147483659" r:id="rId1"/>
   </p:sldMasterIdLst>
   <p:notesMasterIdLst>
-    <p:notesMasterId r:id="rId4"/>
+    <p:notesMasterId r:id="rId6"/>
   </p:notesMasterIdLst>
   <p:sldIdLst>
     <p:sldId id="256" r:id="rId2"/>
-    <p:sldId id="257" r:id="rId3"/>
+    <p:sldId id="258" r:id="rId3"/>
+    <p:sldId id="259" r:id="rId4"/>
+    <p:sldId id="257" r:id="rId5"/>
   </p:sldIdLst>
   <p:sldSz cx="12192000" cy="6858000"/>
   <p:notesSz cx="6858000" cy="9144000"/>
   <p:embeddedFontLst>
     <p:embeddedFont>
+      <p:font typeface="Agency FB" panose="020B0503020202020204" pitchFamily="34" charset="77"/>
+      <p:regular r:id="rId7"/>
+      <p:bold r:id="rId8"/>
+    </p:embeddedFont>
+    <p:embeddedFont>
       <p:font typeface="Play" pitchFamily="2" charset="0"/>
-      <p:regular r:id="rId5"/>
-      <p:bold r:id="rId6"/>
+      <p:regular r:id="rId9"/>
+      <p:bold r:id="rId10"/>
     </p:embeddedFont>
   </p:embeddedFontLst>
   <p:defaultTextStyle>
@@ -249,6 +256,11 @@
       </a:defRPr>
     </a:lvl9pPr>
   </p:defaultTextStyle>
+  <p:extLst>
+    <p:ext uri="{EFAFB233-063F-42B5-8137-9DF3F51BA10A}">
+      <p15:sldGuideLst xmlns:p15="http://schemas.microsoft.com/office/powerpoint/2012/main"/>
+    </p:ext>
+  </p:extLst>
 </p:presentation>
 </file>
 
@@ -798,6 +810,260 @@
 </file>
 
 <file path=ppt/notesSlides/notesSlide2.xml><?xml version="1.0" encoding="utf-8"?>
+<p:notes xmlns:a="http://schemas.openxmlformats.org/drawingml/2006/main" xmlns:r="http://schemas.openxmlformats.org/officeDocument/2006/relationships" xmlns:p="http://schemas.openxmlformats.org/presentationml/2006/main" showMasterSp="0" showMasterPhAnim="0">
+  <p:cSld>
+    <p:spTree>
+      <p:nvGrpSpPr>
+        <p:cNvPr id="1" name="Shape 80">
+          <a:extLst>
+            <a:ext uri="{FF2B5EF4-FFF2-40B4-BE49-F238E27FC236}">
+              <a16:creationId xmlns:a16="http://schemas.microsoft.com/office/drawing/2014/main" id="{550ACACA-0835-593F-10DA-982E31ACDDE5}"/>
+            </a:ext>
+          </a:extLst>
+        </p:cNvPr>
+        <p:cNvGrpSpPr/>
+        <p:nvPr/>
+      </p:nvGrpSpPr>
+      <p:grpSpPr>
+        <a:xfrm>
+          <a:off x="0" y="0"/>
+          <a:ext cx="0" cy="0"/>
+          <a:chOff x="0" y="0"/>
+          <a:chExt cx="0" cy="0"/>
+        </a:xfrm>
+      </p:grpSpPr>
+      <p:sp>
+        <p:nvSpPr>
+          <p:cNvPr id="81" name="Google Shape;81;p1:notes">
+            <a:extLst>
+              <a:ext uri="{FF2B5EF4-FFF2-40B4-BE49-F238E27FC236}">
+                <a16:creationId xmlns:a16="http://schemas.microsoft.com/office/drawing/2014/main" id="{75111D8A-FEC0-0245-4415-AC81508F9A38}"/>
+              </a:ext>
+            </a:extLst>
+          </p:cNvPr>
+          <p:cNvSpPr txBox="1">
+            <a:spLocks noGrp="1"/>
+          </p:cNvSpPr>
+          <p:nvPr>
+            <p:ph type="body" idx="1"/>
+          </p:nvPr>
+        </p:nvSpPr>
+        <p:spPr>
+          <a:xfrm>
+            <a:off x="685800" y="4343400"/>
+            <a:ext cx="5486400" cy="4114800"/>
+          </a:xfrm>
+          <a:prstGeom prst="rect">
+            <a:avLst/>
+          </a:prstGeom>
+        </p:spPr>
+        <p:txBody>
+          <a:bodyPr spcFirstLastPara="1" wrap="square" lIns="91425" tIns="91425" rIns="91425" bIns="91425" anchor="t" anchorCtr="0">
+            <a:noAutofit/>
+          </a:bodyPr>
+          <a:lstStyle/>
+          <a:p>
+            <a:pPr marL="0" lvl="0" indent="0" algn="l" rtl="0">
+              <a:spcBef>
+                <a:spcPts val="0"/>
+              </a:spcBef>
+              <a:spcAft>
+                <a:spcPts val="0"/>
+              </a:spcAft>
+              <a:buNone/>
+            </a:pPr>
+            <a:endParaRPr/>
+          </a:p>
+        </p:txBody>
+      </p:sp>
+      <p:sp>
+        <p:nvSpPr>
+          <p:cNvPr id="82" name="Google Shape;82;p1:notes">
+            <a:extLst>
+              <a:ext uri="{FF2B5EF4-FFF2-40B4-BE49-F238E27FC236}">
+                <a16:creationId xmlns:a16="http://schemas.microsoft.com/office/drawing/2014/main" id="{12481D00-B8E4-FC16-58B3-8D99B768918F}"/>
+              </a:ext>
+            </a:extLst>
+          </p:cNvPr>
+          <p:cNvSpPr>
+            <a:spLocks noGrp="1" noRot="1" noChangeAspect="1"/>
+          </p:cNvSpPr>
+          <p:nvPr>
+            <p:ph type="sldImg" idx="2"/>
+          </p:nvPr>
+        </p:nvSpPr>
+        <p:spPr>
+          <a:xfrm>
+            <a:off x="381000" y="685800"/>
+            <a:ext cx="6096000" cy="3429000"/>
+          </a:xfrm>
+          <a:custGeom>
+            <a:avLst/>
+            <a:gdLst/>
+            <a:ahLst/>
+            <a:cxnLst/>
+            <a:rect l="l" t="t" r="r" b="b"/>
+            <a:pathLst>
+              <a:path w="120000" h="120000" extrusionOk="0">
+                <a:moveTo>
+                  <a:pt x="0" y="0"/>
+                </a:moveTo>
+                <a:lnTo>
+                  <a:pt x="120000" y="0"/>
+                </a:lnTo>
+                <a:lnTo>
+                  <a:pt x="120000" y="120000"/>
+                </a:lnTo>
+                <a:lnTo>
+                  <a:pt x="0" y="120000"/>
+                </a:lnTo>
+                <a:close/>
+              </a:path>
+            </a:pathLst>
+          </a:custGeom>
+        </p:spPr>
+      </p:sp>
+    </p:spTree>
+    <p:extLst>
+      <p:ext uri="{BB962C8B-B14F-4D97-AF65-F5344CB8AC3E}">
+        <p14:creationId xmlns:p14="http://schemas.microsoft.com/office/powerpoint/2010/main" val="568707027"/>
+      </p:ext>
+    </p:extLst>
+  </p:cSld>
+  <p:clrMapOvr>
+    <a:masterClrMapping/>
+  </p:clrMapOvr>
+</p:notes>
+</file>
+
+<file path=ppt/notesSlides/notesSlide3.xml><?xml version="1.0" encoding="utf-8"?>
+<p:notes xmlns:a="http://schemas.openxmlformats.org/drawingml/2006/main" xmlns:r="http://schemas.openxmlformats.org/officeDocument/2006/relationships" xmlns:p="http://schemas.openxmlformats.org/presentationml/2006/main" showMasterSp="0" showMasterPhAnim="0">
+  <p:cSld>
+    <p:spTree>
+      <p:nvGrpSpPr>
+        <p:cNvPr id="1" name="Shape 80">
+          <a:extLst>
+            <a:ext uri="{FF2B5EF4-FFF2-40B4-BE49-F238E27FC236}">
+              <a16:creationId xmlns:a16="http://schemas.microsoft.com/office/drawing/2014/main" id="{3D098EAD-7C5E-91DD-7E1B-10FF2F19A778}"/>
+            </a:ext>
+          </a:extLst>
+        </p:cNvPr>
+        <p:cNvGrpSpPr/>
+        <p:nvPr/>
+      </p:nvGrpSpPr>
+      <p:grpSpPr>
+        <a:xfrm>
+          <a:off x="0" y="0"/>
+          <a:ext cx="0" cy="0"/>
+          <a:chOff x="0" y="0"/>
+          <a:chExt cx="0" cy="0"/>
+        </a:xfrm>
+      </p:grpSpPr>
+      <p:sp>
+        <p:nvSpPr>
+          <p:cNvPr id="81" name="Google Shape;81;p1:notes">
+            <a:extLst>
+              <a:ext uri="{FF2B5EF4-FFF2-40B4-BE49-F238E27FC236}">
+                <a16:creationId xmlns:a16="http://schemas.microsoft.com/office/drawing/2014/main" id="{62A0492B-31CF-E2F0-50AB-492CCCA18DE0}"/>
+              </a:ext>
+            </a:extLst>
+          </p:cNvPr>
+          <p:cNvSpPr txBox="1">
+            <a:spLocks noGrp="1"/>
+          </p:cNvSpPr>
+          <p:nvPr>
+            <p:ph type="body" idx="1"/>
+          </p:nvPr>
+        </p:nvSpPr>
+        <p:spPr>
+          <a:xfrm>
+            <a:off x="685800" y="4343400"/>
+            <a:ext cx="5486400" cy="4114800"/>
+          </a:xfrm>
+          <a:prstGeom prst="rect">
+            <a:avLst/>
+          </a:prstGeom>
+        </p:spPr>
+        <p:txBody>
+          <a:bodyPr spcFirstLastPara="1" wrap="square" lIns="91425" tIns="91425" rIns="91425" bIns="91425" anchor="t" anchorCtr="0">
+            <a:noAutofit/>
+          </a:bodyPr>
+          <a:lstStyle/>
+          <a:p>
+            <a:pPr marL="0" lvl="0" indent="0" algn="l" rtl="0">
+              <a:spcBef>
+                <a:spcPts val="0"/>
+              </a:spcBef>
+              <a:spcAft>
+                <a:spcPts val="0"/>
+              </a:spcAft>
+              <a:buNone/>
+            </a:pPr>
+            <a:endParaRPr/>
+          </a:p>
+        </p:txBody>
+      </p:sp>
+      <p:sp>
+        <p:nvSpPr>
+          <p:cNvPr id="82" name="Google Shape;82;p1:notes">
+            <a:extLst>
+              <a:ext uri="{FF2B5EF4-FFF2-40B4-BE49-F238E27FC236}">
+                <a16:creationId xmlns:a16="http://schemas.microsoft.com/office/drawing/2014/main" id="{D6D47DFD-7E4F-C615-4FB2-39495B153CCE}"/>
+              </a:ext>
+            </a:extLst>
+          </p:cNvPr>
+          <p:cNvSpPr>
+            <a:spLocks noGrp="1" noRot="1" noChangeAspect="1"/>
+          </p:cNvSpPr>
+          <p:nvPr>
+            <p:ph type="sldImg" idx="2"/>
+          </p:nvPr>
+        </p:nvSpPr>
+        <p:spPr>
+          <a:xfrm>
+            <a:off x="381000" y="685800"/>
+            <a:ext cx="6096000" cy="3429000"/>
+          </a:xfrm>
+          <a:custGeom>
+            <a:avLst/>
+            <a:gdLst/>
+            <a:ahLst/>
+            <a:cxnLst/>
+            <a:rect l="l" t="t" r="r" b="b"/>
+            <a:pathLst>
+              <a:path w="120000" h="120000" extrusionOk="0">
+                <a:moveTo>
+                  <a:pt x="0" y="0"/>
+                </a:moveTo>
+                <a:lnTo>
+                  <a:pt x="120000" y="0"/>
+                </a:lnTo>
+                <a:lnTo>
+                  <a:pt x="120000" y="120000"/>
+                </a:lnTo>
+                <a:lnTo>
+                  <a:pt x="0" y="120000"/>
+                </a:lnTo>
+                <a:close/>
+              </a:path>
+            </a:pathLst>
+          </a:custGeom>
+        </p:spPr>
+      </p:sp>
+    </p:spTree>
+    <p:extLst>
+      <p:ext uri="{BB962C8B-B14F-4D97-AF65-F5344CB8AC3E}">
+        <p14:creationId xmlns:p14="http://schemas.microsoft.com/office/powerpoint/2010/main" val="1585052316"/>
+      </p:ext>
+    </p:extLst>
+  </p:cSld>
+  <p:clrMapOvr>
+    <a:masterClrMapping/>
+  </p:clrMapOvr>
+</p:notes>
+</file>
+
+<file path=ppt/notesSlides/notesSlide4.xml><?xml version="1.0" encoding="utf-8"?>
 <p:notes xmlns:a="http://schemas.openxmlformats.org/drawingml/2006/main" xmlns:r="http://schemas.openxmlformats.org/officeDocument/2006/relationships" xmlns:p="http://schemas.openxmlformats.org/presentationml/2006/main" showMasterSp="0" showMasterPhAnim="0">
   <p:cSld>
     <p:spTree>
@@ -12516,6 +12782,3201 @@
         <p:cNvPr id="1" name="Shape 83">
           <a:extLst>
             <a:ext uri="{FF2B5EF4-FFF2-40B4-BE49-F238E27FC236}">
+              <a16:creationId xmlns:a16="http://schemas.microsoft.com/office/drawing/2014/main" id="{EB1DDB05-D968-CB87-865C-64DCC0CE9441}"/>
+            </a:ext>
+          </a:extLst>
+        </p:cNvPr>
+        <p:cNvGrpSpPr/>
+        <p:nvPr/>
+      </p:nvGrpSpPr>
+      <p:grpSpPr>
+        <a:xfrm>
+          <a:off x="0" y="0"/>
+          <a:ext cx="0" cy="0"/>
+          <a:chOff x="0" y="0"/>
+          <a:chExt cx="0" cy="0"/>
+        </a:xfrm>
+      </p:grpSpPr>
+      <p:sp>
+        <p:nvSpPr>
+          <p:cNvPr id="85" name="Google Shape;85;p13">
+            <a:extLst>
+              <a:ext uri="{FF2B5EF4-FFF2-40B4-BE49-F238E27FC236}">
+                <a16:creationId xmlns:a16="http://schemas.microsoft.com/office/drawing/2014/main" id="{04F133B0-1ED4-02A1-8961-97499C9C001F}"/>
+              </a:ext>
+            </a:extLst>
+          </p:cNvPr>
+          <p:cNvSpPr/>
+          <p:nvPr/>
+        </p:nvSpPr>
+        <p:spPr>
+          <a:xfrm>
+            <a:off x="4513099" y="890804"/>
+            <a:ext cx="6395700" cy="4343639"/>
+          </a:xfrm>
+          <a:prstGeom prst="rect">
+            <a:avLst/>
+          </a:prstGeom>
+          <a:noFill/>
+          <a:ln w="19050" cap="flat" cmpd="dbl">
+            <a:solidFill>
+              <a:schemeClr val="tx1"/>
+            </a:solidFill>
+            <a:prstDash val="dash"/>
+            <a:miter lim="800000"/>
+            <a:headEnd type="none" w="sm" len="sm"/>
+            <a:tailEnd type="none" w="sm" len="sm"/>
+          </a:ln>
+        </p:spPr>
+        <p:txBody>
+          <a:bodyPr spcFirstLastPara="1" wrap="square" lIns="91425" tIns="45700" rIns="91425" bIns="45700" anchor="ctr" anchorCtr="0">
+            <a:noAutofit/>
+          </a:bodyPr>
+          <a:lstStyle/>
+          <a:p>
+            <a:pPr marL="0" marR="0" lvl="0" indent="0" algn="ctr" rtl="0">
+              <a:spcBef>
+                <a:spcPts val="0"/>
+              </a:spcBef>
+              <a:spcAft>
+                <a:spcPts val="0"/>
+              </a:spcAft>
+              <a:buNone/>
+            </a:pPr>
+            <a:endParaRPr sz="1800" b="0" i="0" u="none" strike="noStrike" cap="none" dirty="0">
+              <a:solidFill>
+                <a:schemeClr val="lt1"/>
+              </a:solidFill>
+              <a:highlight>
+                <a:srgbClr val="000000"/>
+              </a:highlight>
+              <a:latin typeface="Arial"/>
+              <a:ea typeface="Arial"/>
+              <a:cs typeface="Arial"/>
+              <a:sym typeface="Arial"/>
+            </a:endParaRPr>
+          </a:p>
+        </p:txBody>
+      </p:sp>
+      <p:sp>
+        <p:nvSpPr>
+          <p:cNvPr id="86" name="Google Shape;86;p13">
+            <a:extLst>
+              <a:ext uri="{FF2B5EF4-FFF2-40B4-BE49-F238E27FC236}">
+                <a16:creationId xmlns:a16="http://schemas.microsoft.com/office/drawing/2014/main" id="{843C63C1-ABC7-663F-8168-EF5B5DD30A6F}"/>
+              </a:ext>
+            </a:extLst>
+          </p:cNvPr>
+          <p:cNvSpPr/>
+          <p:nvPr/>
+        </p:nvSpPr>
+        <p:spPr>
+          <a:xfrm>
+            <a:off x="751307" y="2368080"/>
+            <a:ext cx="2126001" cy="652204"/>
+          </a:xfrm>
+          <a:prstGeom prst="rect">
+            <a:avLst/>
+          </a:prstGeom>
+          <a:solidFill>
+            <a:srgbClr val="3A3A3A"/>
+          </a:solidFill>
+          <a:ln w="19050" cap="flat" cmpd="sng">
+            <a:solidFill>
+              <a:srgbClr val="082836"/>
+            </a:solidFill>
+            <a:prstDash val="solid"/>
+            <a:miter lim="800000"/>
+            <a:headEnd type="none" w="sm" len="sm"/>
+            <a:tailEnd type="none" w="sm" len="sm"/>
+          </a:ln>
+        </p:spPr>
+        <p:txBody>
+          <a:bodyPr spcFirstLastPara="1" wrap="square" lIns="91425" tIns="45700" rIns="91425" bIns="45700" anchor="ctr" anchorCtr="0">
+            <a:noAutofit/>
+          </a:bodyPr>
+          <a:lstStyle/>
+          <a:p>
+            <a:pPr marL="0" marR="0" lvl="0" indent="0" algn="ctr" rtl="0">
+              <a:spcBef>
+                <a:spcPts val="0"/>
+              </a:spcBef>
+              <a:spcAft>
+                <a:spcPts val="0"/>
+              </a:spcAft>
+              <a:buNone/>
+            </a:pPr>
+            <a:r>
+              <a:rPr lang="es-PE" sz="1600" b="0" i="0" u="none" strike="noStrike" cap="none">
+                <a:solidFill>
+                  <a:schemeClr val="lt1"/>
+                </a:solidFill>
+                <a:latin typeface="Arial"/>
+                <a:ea typeface="Arial"/>
+                <a:cs typeface="Arial"/>
+                <a:sym typeface="Arial"/>
+              </a:rPr>
+              <a:t>Antecedentes  </a:t>
+            </a:r>
+            <a:endParaRPr/>
+          </a:p>
+        </p:txBody>
+      </p:sp>
+      <p:sp>
+        <p:nvSpPr>
+          <p:cNvPr id="87" name="Google Shape;87;p13">
+            <a:extLst>
+              <a:ext uri="{FF2B5EF4-FFF2-40B4-BE49-F238E27FC236}">
+                <a16:creationId xmlns:a16="http://schemas.microsoft.com/office/drawing/2014/main" id="{587C9B9A-FA6B-B3C5-413B-EC9A0F5710D2}"/>
+              </a:ext>
+            </a:extLst>
+          </p:cNvPr>
+          <p:cNvSpPr/>
+          <p:nvPr/>
+        </p:nvSpPr>
+        <p:spPr>
+          <a:xfrm>
+            <a:off x="3314855" y="1939616"/>
+            <a:ext cx="2126001" cy="652204"/>
+          </a:xfrm>
+          <a:prstGeom prst="rect">
+            <a:avLst/>
+          </a:prstGeom>
+          <a:solidFill>
+            <a:srgbClr val="3A3A3A"/>
+          </a:solidFill>
+          <a:ln w="19050" cap="flat" cmpd="sng">
+            <a:solidFill>
+              <a:srgbClr val="082836"/>
+            </a:solidFill>
+            <a:prstDash val="solid"/>
+            <a:miter lim="800000"/>
+            <a:headEnd type="none" w="sm" len="sm"/>
+            <a:tailEnd type="none" w="sm" len="sm"/>
+          </a:ln>
+        </p:spPr>
+        <p:txBody>
+          <a:bodyPr spcFirstLastPara="1" wrap="square" lIns="91425" tIns="45700" rIns="91425" bIns="45700" anchor="ctr" anchorCtr="0">
+            <a:noAutofit/>
+          </a:bodyPr>
+          <a:lstStyle/>
+          <a:p>
+            <a:pPr marL="0" marR="0" lvl="0" indent="0" algn="ctr" rtl="0">
+              <a:spcBef>
+                <a:spcPts val="0"/>
+              </a:spcBef>
+              <a:spcAft>
+                <a:spcPts val="0"/>
+              </a:spcAft>
+              <a:buNone/>
+            </a:pPr>
+            <a:r>
+              <a:rPr lang="es-PE" sz="1600" b="0" i="0" u="none" strike="noStrike" cap="none" dirty="0">
+                <a:solidFill>
+                  <a:schemeClr val="lt1"/>
+                </a:solidFill>
+                <a:latin typeface="Arial"/>
+                <a:ea typeface="Arial"/>
+                <a:cs typeface="Arial"/>
+                <a:sym typeface="Arial"/>
+              </a:rPr>
+              <a:t> Coyuntura crítica </a:t>
+            </a:r>
+            <a:endParaRPr dirty="0"/>
+          </a:p>
+        </p:txBody>
+      </p:sp>
+      <p:sp>
+        <p:nvSpPr>
+          <p:cNvPr id="88" name="Google Shape;88;p13">
+            <a:extLst>
+              <a:ext uri="{FF2B5EF4-FFF2-40B4-BE49-F238E27FC236}">
+                <a16:creationId xmlns:a16="http://schemas.microsoft.com/office/drawing/2014/main" id="{864CBBA4-3A4D-4D65-DFEC-B2B30E7E5EA0}"/>
+              </a:ext>
+            </a:extLst>
+          </p:cNvPr>
+          <p:cNvSpPr/>
+          <p:nvPr/>
+        </p:nvSpPr>
+        <p:spPr>
+          <a:xfrm>
+            <a:off x="6822535" y="3963190"/>
+            <a:ext cx="2126100" cy="652200"/>
+          </a:xfrm>
+          <a:prstGeom prst="rect">
+            <a:avLst/>
+          </a:prstGeom>
+          <a:solidFill>
+            <a:srgbClr val="3A3A3A"/>
+          </a:solidFill>
+          <a:ln w="19050" cap="flat" cmpd="sng">
+            <a:solidFill>
+              <a:srgbClr val="082836"/>
+            </a:solidFill>
+            <a:prstDash val="solid"/>
+            <a:miter lim="800000"/>
+            <a:headEnd type="none" w="sm" len="sm"/>
+            <a:tailEnd type="none" w="sm" len="sm"/>
+          </a:ln>
+        </p:spPr>
+        <p:txBody>
+          <a:bodyPr spcFirstLastPara="1" wrap="square" lIns="91425" tIns="45700" rIns="91425" bIns="45700" anchor="ctr" anchorCtr="0">
+            <a:noAutofit/>
+          </a:bodyPr>
+          <a:lstStyle/>
+          <a:p>
+            <a:pPr marL="0" marR="0" lvl="0" indent="0" algn="ctr" rtl="0">
+              <a:spcBef>
+                <a:spcPts val="0"/>
+              </a:spcBef>
+              <a:spcAft>
+                <a:spcPts val="0"/>
+              </a:spcAft>
+              <a:buNone/>
+            </a:pPr>
+            <a:r>
+              <a:rPr lang="es-PE" sz="1600" b="0" i="0" u="none" strike="noStrike" cap="none">
+                <a:solidFill>
+                  <a:schemeClr val="lt1"/>
+                </a:solidFill>
+                <a:latin typeface="Arial"/>
+                <a:ea typeface="Arial"/>
+                <a:cs typeface="Arial"/>
+                <a:sym typeface="Arial"/>
+              </a:rPr>
+              <a:t>Secuelas </a:t>
+            </a:r>
+            <a:endParaRPr/>
+          </a:p>
+        </p:txBody>
+      </p:sp>
+      <p:sp>
+        <p:nvSpPr>
+          <p:cNvPr id="89" name="Google Shape;89;p13">
+            <a:extLst>
+              <a:ext uri="{FF2B5EF4-FFF2-40B4-BE49-F238E27FC236}">
+                <a16:creationId xmlns:a16="http://schemas.microsoft.com/office/drawing/2014/main" id="{9DB38F5E-023D-81FF-5BEA-313ED88E0B71}"/>
+              </a:ext>
+            </a:extLst>
+          </p:cNvPr>
+          <p:cNvSpPr/>
+          <p:nvPr/>
+        </p:nvSpPr>
+        <p:spPr>
+          <a:xfrm>
+            <a:off x="1216498" y="3606855"/>
+            <a:ext cx="1471117" cy="1001301"/>
+          </a:xfrm>
+          <a:prstGeom prst="rect">
+            <a:avLst/>
+          </a:prstGeom>
+          <a:solidFill>
+            <a:schemeClr val="lt1"/>
+          </a:solidFill>
+          <a:ln w="19050" cap="flat" cmpd="sng">
+            <a:solidFill>
+              <a:srgbClr val="082836"/>
+            </a:solidFill>
+            <a:prstDash val="solid"/>
+            <a:miter lim="800000"/>
+            <a:headEnd type="none" w="sm" len="sm"/>
+            <a:tailEnd type="none" w="sm" len="sm"/>
+          </a:ln>
+        </p:spPr>
+        <p:txBody>
+          <a:bodyPr spcFirstLastPara="1" wrap="square" lIns="91425" tIns="45700" rIns="91425" bIns="45700" anchor="ctr" anchorCtr="0">
+            <a:noAutofit/>
+          </a:bodyPr>
+          <a:lstStyle/>
+          <a:p>
+            <a:pPr marL="0" marR="0" lvl="0" indent="0" algn="ctr" rtl="0">
+              <a:spcBef>
+                <a:spcPts val="0"/>
+              </a:spcBef>
+              <a:spcAft>
+                <a:spcPts val="0"/>
+              </a:spcAft>
+              <a:buNone/>
+            </a:pPr>
+            <a:r>
+              <a:rPr lang="es-PE" sz="1200" b="0" i="0" u="none" strike="noStrike" cap="none" dirty="0">
+                <a:solidFill>
+                  <a:schemeClr val="dk1"/>
+                </a:solidFill>
+                <a:latin typeface="Arial"/>
+                <a:ea typeface="Arial"/>
+                <a:cs typeface="Arial"/>
+                <a:sym typeface="Arial"/>
+              </a:rPr>
+              <a:t>Clivajes y contradicciones entre sectores sociales</a:t>
+            </a:r>
+            <a:endParaRPr dirty="0"/>
+          </a:p>
+        </p:txBody>
+      </p:sp>
+      <p:sp>
+        <p:nvSpPr>
+          <p:cNvPr id="90" name="Google Shape;90;p13">
+            <a:extLst>
+              <a:ext uri="{FF2B5EF4-FFF2-40B4-BE49-F238E27FC236}">
+                <a16:creationId xmlns:a16="http://schemas.microsoft.com/office/drawing/2014/main" id="{8AF34AE8-BC30-5D66-B46E-852A3A303EA8}"/>
+              </a:ext>
+            </a:extLst>
+          </p:cNvPr>
+          <p:cNvSpPr/>
+          <p:nvPr/>
+        </p:nvSpPr>
+        <p:spPr>
+          <a:xfrm>
+            <a:off x="3742221" y="3062623"/>
+            <a:ext cx="1471117" cy="1001301"/>
+          </a:xfrm>
+          <a:prstGeom prst="rect">
+            <a:avLst/>
+          </a:prstGeom>
+          <a:solidFill>
+            <a:schemeClr val="lt1"/>
+          </a:solidFill>
+          <a:ln w="19050" cap="flat" cmpd="sng">
+            <a:solidFill>
+              <a:srgbClr val="082836"/>
+            </a:solidFill>
+            <a:prstDash val="solid"/>
+            <a:miter lim="800000"/>
+            <a:headEnd type="none" w="sm" len="sm"/>
+            <a:tailEnd type="none" w="sm" len="sm"/>
+          </a:ln>
+        </p:spPr>
+        <p:txBody>
+          <a:bodyPr spcFirstLastPara="1" wrap="square" lIns="91425" tIns="45700" rIns="91425" bIns="45700" anchor="ctr" anchorCtr="0">
+            <a:noAutofit/>
+          </a:bodyPr>
+          <a:lstStyle/>
+          <a:p>
+            <a:pPr marL="0" marR="0" lvl="0" indent="0" algn="ctr" rtl="0">
+              <a:spcBef>
+                <a:spcPts val="0"/>
+              </a:spcBef>
+              <a:spcAft>
+                <a:spcPts val="0"/>
+              </a:spcAft>
+              <a:buNone/>
+            </a:pPr>
+            <a:r>
+              <a:rPr lang="es-PE" sz="1200" b="0" i="0" u="none" strike="noStrike" cap="none" dirty="0">
+                <a:solidFill>
+                  <a:schemeClr val="dk1"/>
+                </a:solidFill>
+                <a:latin typeface="Arial"/>
+                <a:ea typeface="Arial"/>
+                <a:cs typeface="Arial"/>
+                <a:sym typeface="Arial"/>
+              </a:rPr>
+              <a:t>Protestas, movilizaciones</a:t>
+            </a:r>
+            <a:endParaRPr dirty="0"/>
+          </a:p>
+        </p:txBody>
+      </p:sp>
+      <p:sp>
+        <p:nvSpPr>
+          <p:cNvPr id="91" name="Google Shape;91;p13">
+            <a:extLst>
+              <a:ext uri="{FF2B5EF4-FFF2-40B4-BE49-F238E27FC236}">
+                <a16:creationId xmlns:a16="http://schemas.microsoft.com/office/drawing/2014/main" id="{31CCECEC-2FE6-02CE-341B-9D826567586D}"/>
+              </a:ext>
+            </a:extLst>
+          </p:cNvPr>
+          <p:cNvSpPr/>
+          <p:nvPr/>
+        </p:nvSpPr>
+        <p:spPr>
+          <a:xfrm>
+            <a:off x="5958111" y="2874785"/>
+            <a:ext cx="1229559" cy="639600"/>
+          </a:xfrm>
+          <a:prstGeom prst="rect">
+            <a:avLst/>
+          </a:prstGeom>
+          <a:noFill/>
+          <a:ln>
+            <a:noFill/>
+          </a:ln>
+        </p:spPr>
+        <p:txBody>
+          <a:bodyPr spcFirstLastPara="1" wrap="square" lIns="91425" tIns="45700" rIns="91425" bIns="45700" anchor="ctr" anchorCtr="0">
+            <a:noAutofit/>
+          </a:bodyPr>
+          <a:lstStyle/>
+          <a:p>
+            <a:pPr marL="0" marR="0" lvl="0" indent="0" algn="l" rtl="0">
+              <a:spcBef>
+                <a:spcPts val="0"/>
+              </a:spcBef>
+              <a:spcAft>
+                <a:spcPts val="0"/>
+              </a:spcAft>
+              <a:buNone/>
+            </a:pPr>
+            <a:r>
+              <a:rPr lang="es-PE" sz="1200" i="1" u="none" strike="noStrike" cap="none" dirty="0">
+                <a:solidFill>
+                  <a:schemeClr val="dk1"/>
+                </a:solidFill>
+                <a:latin typeface="Arial"/>
+                <a:ea typeface="Arial"/>
+                <a:cs typeface="Arial"/>
+                <a:sym typeface="Arial"/>
+              </a:rPr>
+              <a:t>actores permiten negociación</a:t>
+            </a:r>
+            <a:endParaRPr i="1" dirty="0"/>
+          </a:p>
+        </p:txBody>
+      </p:sp>
+      <p:sp>
+        <p:nvSpPr>
+          <p:cNvPr id="92" name="Google Shape;92;p13">
+            <a:extLst>
+              <a:ext uri="{FF2B5EF4-FFF2-40B4-BE49-F238E27FC236}">
+                <a16:creationId xmlns:a16="http://schemas.microsoft.com/office/drawing/2014/main" id="{FDE51193-3831-FFB6-BDAC-C794BDC7AE1D}"/>
+              </a:ext>
+            </a:extLst>
+          </p:cNvPr>
+          <p:cNvSpPr/>
+          <p:nvPr/>
+        </p:nvSpPr>
+        <p:spPr>
+          <a:xfrm>
+            <a:off x="9242623" y="1884414"/>
+            <a:ext cx="1481295" cy="543157"/>
+          </a:xfrm>
+          <a:prstGeom prst="rect">
+            <a:avLst/>
+          </a:prstGeom>
+          <a:noFill/>
+          <a:ln>
+            <a:noFill/>
+          </a:ln>
+        </p:spPr>
+        <p:txBody>
+          <a:bodyPr spcFirstLastPara="1" wrap="square" lIns="91425" tIns="45700" rIns="91425" bIns="45700" anchor="ctr" anchorCtr="0">
+            <a:noAutofit/>
+          </a:bodyPr>
+          <a:lstStyle/>
+          <a:p>
+            <a:pPr marL="0" marR="0" lvl="0" indent="0" algn="l" rtl="0">
+              <a:spcBef>
+                <a:spcPts val="0"/>
+              </a:spcBef>
+              <a:spcAft>
+                <a:spcPts val="0"/>
+              </a:spcAft>
+              <a:buNone/>
+            </a:pPr>
+            <a:r>
+              <a:rPr lang="es-PE" sz="1200" i="1" u="none" strike="noStrike" cap="none" dirty="0">
+                <a:solidFill>
+                  <a:schemeClr val="dk1"/>
+                </a:solidFill>
+                <a:latin typeface="Arial"/>
+                <a:ea typeface="Arial"/>
+                <a:cs typeface="Arial"/>
+                <a:sym typeface="Arial"/>
+              </a:rPr>
+              <a:t>Institucionalización evita reversion</a:t>
+            </a:r>
+            <a:endParaRPr sz="1200" i="1" dirty="0">
+              <a:solidFill>
+                <a:schemeClr val="dk1"/>
+              </a:solidFill>
+            </a:endParaRPr>
+          </a:p>
+        </p:txBody>
+      </p:sp>
+      <p:sp>
+        <p:nvSpPr>
+          <p:cNvPr id="93" name="Google Shape;93;p13">
+            <a:extLst>
+              <a:ext uri="{FF2B5EF4-FFF2-40B4-BE49-F238E27FC236}">
+                <a16:creationId xmlns:a16="http://schemas.microsoft.com/office/drawing/2014/main" id="{9BE4BB15-88FC-D3A9-A505-FD67F42B6E4C}"/>
+              </a:ext>
+            </a:extLst>
+          </p:cNvPr>
+          <p:cNvSpPr/>
+          <p:nvPr/>
+        </p:nvSpPr>
+        <p:spPr>
+          <a:xfrm>
+            <a:off x="6987310" y="4653747"/>
+            <a:ext cx="1797580" cy="489174"/>
+          </a:xfrm>
+          <a:prstGeom prst="rect">
+            <a:avLst/>
+          </a:prstGeom>
+          <a:solidFill>
+            <a:schemeClr val="lt1"/>
+          </a:solidFill>
+          <a:ln w="19050" cap="flat" cmpd="sng">
+            <a:solidFill>
+              <a:srgbClr val="082836"/>
+            </a:solidFill>
+            <a:prstDash val="solid"/>
+            <a:miter lim="800000"/>
+            <a:headEnd type="none" w="sm" len="sm"/>
+            <a:tailEnd type="none" w="sm" len="sm"/>
+          </a:ln>
+        </p:spPr>
+        <p:txBody>
+          <a:bodyPr spcFirstLastPara="1" wrap="square" lIns="91425" tIns="45700" rIns="91425" bIns="45700" anchor="ctr" anchorCtr="0">
+            <a:noAutofit/>
+          </a:bodyPr>
+          <a:lstStyle/>
+          <a:p>
+            <a:pPr marL="0" marR="0" lvl="0" indent="0" algn="ctr" rtl="0">
+              <a:spcBef>
+                <a:spcPts val="0"/>
+              </a:spcBef>
+              <a:spcAft>
+                <a:spcPts val="0"/>
+              </a:spcAft>
+              <a:buNone/>
+            </a:pPr>
+            <a:r>
+              <a:rPr lang="es-PE" sz="1200" b="0" i="0" u="none" strike="noStrike" cap="none">
+                <a:solidFill>
+                  <a:schemeClr val="dk1"/>
+                </a:solidFill>
+                <a:latin typeface="Arial"/>
+                <a:ea typeface="Arial"/>
+                <a:cs typeface="Arial"/>
+                <a:sym typeface="Arial"/>
+              </a:rPr>
+              <a:t>transformaciones, logros inmediatos </a:t>
+            </a:r>
+            <a:endParaRPr/>
+          </a:p>
+        </p:txBody>
+      </p:sp>
+      <p:sp>
+        <p:nvSpPr>
+          <p:cNvPr id="94" name="Google Shape;94;p13">
+            <a:extLst>
+              <a:ext uri="{FF2B5EF4-FFF2-40B4-BE49-F238E27FC236}">
+                <a16:creationId xmlns:a16="http://schemas.microsoft.com/office/drawing/2014/main" id="{C6A8B2E1-B5A0-5616-D830-8A4E80B05206}"/>
+              </a:ext>
+            </a:extLst>
+          </p:cNvPr>
+          <p:cNvSpPr/>
+          <p:nvPr/>
+        </p:nvSpPr>
+        <p:spPr>
+          <a:xfrm>
+            <a:off x="6987310" y="1241546"/>
+            <a:ext cx="1797580" cy="563557"/>
+          </a:xfrm>
+          <a:prstGeom prst="rect">
+            <a:avLst/>
+          </a:prstGeom>
+          <a:solidFill>
+            <a:schemeClr val="lt1"/>
+          </a:solidFill>
+          <a:ln w="19050" cap="flat" cmpd="sng">
+            <a:solidFill>
+              <a:srgbClr val="082836"/>
+            </a:solidFill>
+            <a:prstDash val="solid"/>
+            <a:miter lim="800000"/>
+            <a:headEnd type="none" w="sm" len="sm"/>
+            <a:tailEnd type="none" w="sm" len="sm"/>
+          </a:ln>
+        </p:spPr>
+        <p:txBody>
+          <a:bodyPr spcFirstLastPara="1" wrap="square" lIns="91425" tIns="45700" rIns="91425" bIns="45700" anchor="ctr" anchorCtr="0">
+            <a:noAutofit/>
+          </a:bodyPr>
+          <a:lstStyle/>
+          <a:p>
+            <a:pPr marL="0" marR="0" lvl="0" indent="0" algn="ctr" rtl="0">
+              <a:spcBef>
+                <a:spcPts val="0"/>
+              </a:spcBef>
+              <a:spcAft>
+                <a:spcPts val="0"/>
+              </a:spcAft>
+              <a:buNone/>
+            </a:pPr>
+            <a:r>
+              <a:rPr lang="es-PE" sz="1200" dirty="0">
+                <a:solidFill>
+                  <a:schemeClr val="dk1"/>
+                </a:solidFill>
+              </a:rPr>
+              <a:t>Avance Democrático institucionalizado</a:t>
+            </a:r>
+            <a:endParaRPr lang="es-PE" sz="1200" b="0" i="0" u="none" strike="noStrike" cap="none" dirty="0">
+              <a:solidFill>
+                <a:schemeClr val="dk1"/>
+              </a:solidFill>
+              <a:latin typeface="Arial"/>
+              <a:ea typeface="Arial"/>
+              <a:cs typeface="Arial"/>
+              <a:sym typeface="Arial"/>
+            </a:endParaRPr>
+          </a:p>
+        </p:txBody>
+      </p:sp>
+      <p:sp>
+        <p:nvSpPr>
+          <p:cNvPr id="95" name="Google Shape;95;p13">
+            <a:extLst>
+              <a:ext uri="{FF2B5EF4-FFF2-40B4-BE49-F238E27FC236}">
+                <a16:creationId xmlns:a16="http://schemas.microsoft.com/office/drawing/2014/main" id="{8D3C4942-6F6D-169A-ED5C-EA633E8777F4}"/>
+              </a:ext>
+            </a:extLst>
+          </p:cNvPr>
+          <p:cNvSpPr/>
+          <p:nvPr/>
+        </p:nvSpPr>
+        <p:spPr>
+          <a:xfrm>
+            <a:off x="374458" y="5081541"/>
+            <a:ext cx="1029193" cy="464206"/>
+          </a:xfrm>
+          <a:prstGeom prst="rect">
+            <a:avLst/>
+          </a:prstGeom>
+          <a:noFill/>
+          <a:ln>
+            <a:noFill/>
+          </a:ln>
+        </p:spPr>
+        <p:txBody>
+          <a:bodyPr spcFirstLastPara="1" wrap="square" lIns="91425" tIns="45700" rIns="91425" bIns="45700" anchor="ctr" anchorCtr="0">
+            <a:noAutofit/>
+          </a:bodyPr>
+          <a:lstStyle/>
+          <a:p>
+            <a:pPr marL="0" marR="0" lvl="0" indent="0" algn="ctr" rtl="0">
+              <a:spcBef>
+                <a:spcPts val="0"/>
+              </a:spcBef>
+              <a:spcAft>
+                <a:spcPts val="0"/>
+              </a:spcAft>
+              <a:buNone/>
+            </a:pPr>
+            <a:r>
+              <a:rPr lang="es-PE" sz="1200" i="1" u="none" strike="noStrike" cap="none" dirty="0">
+                <a:solidFill>
+                  <a:schemeClr val="dk1"/>
+                </a:solidFill>
+                <a:latin typeface="Arial"/>
+                <a:ea typeface="Arial"/>
+                <a:cs typeface="Arial"/>
+                <a:sym typeface="Arial"/>
+              </a:rPr>
+              <a:t>Hitos que detonan </a:t>
+            </a:r>
+            <a:endParaRPr i="1" dirty="0"/>
+          </a:p>
+        </p:txBody>
+      </p:sp>
+      <p:sp>
+        <p:nvSpPr>
+          <p:cNvPr id="96" name="Google Shape;96;p13">
+            <a:extLst>
+              <a:ext uri="{FF2B5EF4-FFF2-40B4-BE49-F238E27FC236}">
+                <a16:creationId xmlns:a16="http://schemas.microsoft.com/office/drawing/2014/main" id="{CD5C6DF5-5643-7F76-B597-2FB911F63255}"/>
+              </a:ext>
+            </a:extLst>
+          </p:cNvPr>
+          <p:cNvSpPr/>
+          <p:nvPr/>
+        </p:nvSpPr>
+        <p:spPr>
+          <a:xfrm>
+            <a:off x="6822535" y="1869137"/>
+            <a:ext cx="2126100" cy="652200"/>
+          </a:xfrm>
+          <a:prstGeom prst="rect">
+            <a:avLst/>
+          </a:prstGeom>
+          <a:solidFill>
+            <a:srgbClr val="3A3A3A"/>
+          </a:solidFill>
+          <a:ln w="19050" cap="flat" cmpd="sng">
+            <a:solidFill>
+              <a:srgbClr val="082836"/>
+            </a:solidFill>
+            <a:prstDash val="solid"/>
+            <a:miter lim="800000"/>
+            <a:headEnd type="none" w="sm" len="sm"/>
+            <a:tailEnd type="none" w="sm" len="sm"/>
+          </a:ln>
+        </p:spPr>
+        <p:txBody>
+          <a:bodyPr spcFirstLastPara="1" wrap="square" lIns="91425" tIns="45700" rIns="91425" bIns="45700" anchor="ctr" anchorCtr="0">
+            <a:noAutofit/>
+          </a:bodyPr>
+          <a:lstStyle/>
+          <a:p>
+            <a:pPr marL="0" marR="0" lvl="0" indent="0" algn="ctr" rtl="0">
+              <a:spcBef>
+                <a:spcPts val="0"/>
+              </a:spcBef>
+              <a:spcAft>
+                <a:spcPts val="0"/>
+              </a:spcAft>
+              <a:buNone/>
+            </a:pPr>
+            <a:r>
+              <a:rPr lang="es-PE" sz="1600" b="0" i="0" u="none" strike="noStrike" cap="none">
+                <a:solidFill>
+                  <a:schemeClr val="lt1"/>
+                </a:solidFill>
+                <a:latin typeface="Arial"/>
+                <a:ea typeface="Arial"/>
+                <a:cs typeface="Arial"/>
+                <a:sym typeface="Arial"/>
+              </a:rPr>
+              <a:t>Legados </a:t>
+            </a:r>
+            <a:endParaRPr/>
+          </a:p>
+        </p:txBody>
+      </p:sp>
+      <p:sp>
+        <p:nvSpPr>
+          <p:cNvPr id="97" name="Google Shape;97;p13">
+            <a:extLst>
+              <a:ext uri="{FF2B5EF4-FFF2-40B4-BE49-F238E27FC236}">
+                <a16:creationId xmlns:a16="http://schemas.microsoft.com/office/drawing/2014/main" id="{4043F505-BAB8-E105-A035-3E7060EF762D}"/>
+              </a:ext>
+            </a:extLst>
+          </p:cNvPr>
+          <p:cNvSpPr/>
+          <p:nvPr/>
+        </p:nvSpPr>
+        <p:spPr>
+          <a:xfrm>
+            <a:off x="1665187" y="1217949"/>
+            <a:ext cx="1381119" cy="459997"/>
+          </a:xfrm>
+          <a:prstGeom prst="rect">
+            <a:avLst/>
+          </a:prstGeom>
+          <a:noFill/>
+          <a:ln>
+            <a:noFill/>
+          </a:ln>
+        </p:spPr>
+        <p:txBody>
+          <a:bodyPr spcFirstLastPara="1" wrap="square" lIns="91425" tIns="45700" rIns="91425" bIns="45700" anchor="ctr" anchorCtr="0">
+            <a:noAutofit/>
+          </a:bodyPr>
+          <a:lstStyle/>
+          <a:p>
+            <a:pPr marL="0" marR="0" lvl="0" indent="0" algn="ctr" rtl="0">
+              <a:spcBef>
+                <a:spcPts val="0"/>
+              </a:spcBef>
+              <a:spcAft>
+                <a:spcPts val="0"/>
+              </a:spcAft>
+              <a:buNone/>
+            </a:pPr>
+            <a:r>
+              <a:rPr lang="es-PE" sz="1200" i="1" u="none" strike="noStrike" cap="none" dirty="0">
+                <a:solidFill>
+                  <a:schemeClr val="dk1"/>
+                </a:solidFill>
+                <a:latin typeface="Arial"/>
+                <a:ea typeface="Arial"/>
+                <a:cs typeface="Arial"/>
+                <a:sym typeface="Arial"/>
+              </a:rPr>
+              <a:t>Coalición de movilización</a:t>
+            </a:r>
+            <a:endParaRPr i="1" dirty="0"/>
+          </a:p>
+        </p:txBody>
+      </p:sp>
+      <p:cxnSp>
+        <p:nvCxnSpPr>
+          <p:cNvPr id="98" name="Google Shape;98;p13">
+            <a:extLst>
+              <a:ext uri="{FF2B5EF4-FFF2-40B4-BE49-F238E27FC236}">
+                <a16:creationId xmlns:a16="http://schemas.microsoft.com/office/drawing/2014/main" id="{E8EFC75D-9516-8CD4-824E-C2E0A374F1E9}"/>
+              </a:ext>
+            </a:extLst>
+          </p:cNvPr>
+          <p:cNvCxnSpPr>
+            <a:stCxn id="86" idx="0"/>
+            <a:endCxn id="87" idx="0"/>
+          </p:cNvCxnSpPr>
+          <p:nvPr/>
+        </p:nvCxnSpPr>
+        <p:spPr>
+          <a:xfrm rot="5400000" flipH="1" flipV="1">
+            <a:off x="2881850" y="872074"/>
+            <a:ext cx="428464" cy="2563548"/>
+          </a:xfrm>
+          <a:prstGeom prst="curvedConnector3">
+            <a:avLst>
+              <a:gd name="adj1" fmla="val 153353"/>
+            </a:avLst>
+          </a:prstGeom>
+          <a:noFill/>
+          <a:ln w="19050" cap="flat" cmpd="sng">
+            <a:solidFill>
+              <a:schemeClr val="dk1"/>
+            </a:solidFill>
+            <a:prstDash val="solid"/>
+            <a:miter lim="800000"/>
+            <a:headEnd type="none" w="sm" len="sm"/>
+            <a:tailEnd type="triangle" w="med" len="med"/>
+          </a:ln>
+        </p:spPr>
+      </p:cxnSp>
+      <p:sp>
+        <p:nvSpPr>
+          <p:cNvPr id="101" name="Google Shape;101;p13">
+            <a:extLst>
+              <a:ext uri="{FF2B5EF4-FFF2-40B4-BE49-F238E27FC236}">
+                <a16:creationId xmlns:a16="http://schemas.microsoft.com/office/drawing/2014/main" id="{D354EF04-F3B8-CC75-33D9-432F4E65F85C}"/>
+              </a:ext>
+            </a:extLst>
+          </p:cNvPr>
+          <p:cNvSpPr/>
+          <p:nvPr/>
+        </p:nvSpPr>
+        <p:spPr>
+          <a:xfrm>
+            <a:off x="4547389" y="5234444"/>
+            <a:ext cx="2973551" cy="543157"/>
+          </a:xfrm>
+          <a:prstGeom prst="rect">
+            <a:avLst/>
+          </a:prstGeom>
+          <a:noFill/>
+          <a:ln>
+            <a:noFill/>
+          </a:ln>
+        </p:spPr>
+        <p:txBody>
+          <a:bodyPr spcFirstLastPara="1" wrap="square" lIns="91425" tIns="45700" rIns="91425" bIns="45700" anchor="ctr" anchorCtr="0">
+            <a:noAutofit/>
+          </a:bodyPr>
+          <a:lstStyle/>
+          <a:p>
+            <a:pPr algn="ctr"/>
+            <a:r>
+              <a:rPr lang="es-PE" b="1" dirty="0">
+                <a:solidFill>
+                  <a:schemeClr val="tx1"/>
+                </a:solidFill>
+              </a:rPr>
+              <a:t>Emergencia de la democracia desde periferia</a:t>
+            </a:r>
+            <a:endParaRPr b="1" dirty="0">
+              <a:solidFill>
+                <a:schemeClr val="tx1"/>
+              </a:solidFill>
+            </a:endParaRPr>
+          </a:p>
+        </p:txBody>
+      </p:sp>
+      <p:sp>
+        <p:nvSpPr>
+          <p:cNvPr id="102" name="Google Shape;102;p13">
+            <a:extLst>
+              <a:ext uri="{FF2B5EF4-FFF2-40B4-BE49-F238E27FC236}">
+                <a16:creationId xmlns:a16="http://schemas.microsoft.com/office/drawing/2014/main" id="{798C6085-4C19-9FDB-1111-11DFA2361444}"/>
+              </a:ext>
+            </a:extLst>
+          </p:cNvPr>
+          <p:cNvSpPr/>
+          <p:nvPr/>
+        </p:nvSpPr>
+        <p:spPr>
+          <a:xfrm>
+            <a:off x="3509010" y="868316"/>
+            <a:ext cx="8059200" cy="299100"/>
+          </a:xfrm>
+          <a:prstGeom prst="rect">
+            <a:avLst/>
+          </a:prstGeom>
+          <a:noFill/>
+          <a:ln>
+            <a:noFill/>
+          </a:ln>
+        </p:spPr>
+        <p:txBody>
+          <a:bodyPr spcFirstLastPara="1" wrap="square" lIns="91425" tIns="45700" rIns="91425" bIns="45700" anchor="ctr" anchorCtr="0">
+            <a:noAutofit/>
+          </a:bodyPr>
+          <a:lstStyle/>
+          <a:p>
+            <a:pPr marL="0" marR="0" lvl="0" indent="0" algn="ctr" rtl="0">
+              <a:spcBef>
+                <a:spcPts val="0"/>
+              </a:spcBef>
+              <a:spcAft>
+                <a:spcPts val="0"/>
+              </a:spcAft>
+              <a:buNone/>
+            </a:pPr>
+            <a:r>
+              <a:rPr lang="es-PE" b="1" i="0" u="none" strike="noStrike" cap="none" dirty="0">
+                <a:solidFill>
+                  <a:schemeClr val="tx1"/>
+                </a:solidFill>
+              </a:rPr>
+              <a:t>Marco de posibilidades estatales  nacionales </a:t>
+            </a:r>
+            <a:endParaRPr sz="1600" b="1" dirty="0">
+              <a:solidFill>
+                <a:schemeClr val="tx1"/>
+              </a:solidFill>
+            </a:endParaRPr>
+          </a:p>
+        </p:txBody>
+      </p:sp>
+      <p:cxnSp>
+        <p:nvCxnSpPr>
+          <p:cNvPr id="103" name="Google Shape;103;p13">
+            <a:extLst>
+              <a:ext uri="{FF2B5EF4-FFF2-40B4-BE49-F238E27FC236}">
+                <a16:creationId xmlns:a16="http://schemas.microsoft.com/office/drawing/2014/main" id="{AFCCF887-DD7F-9E66-0E60-FB3CACE80D68}"/>
+              </a:ext>
+            </a:extLst>
+          </p:cNvPr>
+          <p:cNvCxnSpPr>
+            <a:stCxn id="87" idx="3"/>
+            <a:endCxn id="96" idx="1"/>
+          </p:cNvCxnSpPr>
+          <p:nvPr/>
+        </p:nvCxnSpPr>
+        <p:spPr>
+          <a:xfrm flipV="1">
+            <a:off x="5440856" y="2195237"/>
+            <a:ext cx="1381679" cy="70481"/>
+          </a:xfrm>
+          <a:prstGeom prst="curvedConnector3">
+            <a:avLst>
+              <a:gd name="adj1" fmla="val 50000"/>
+            </a:avLst>
+          </a:prstGeom>
+          <a:noFill/>
+          <a:ln w="19050" cap="flat" cmpd="sng">
+            <a:solidFill>
+              <a:schemeClr val="dk1"/>
+            </a:solidFill>
+            <a:prstDash val="solid"/>
+            <a:miter lim="800000"/>
+            <a:headEnd type="none" w="sm" len="sm"/>
+            <a:tailEnd type="triangle" w="med" len="med"/>
+          </a:ln>
+        </p:spPr>
+      </p:cxnSp>
+      <p:cxnSp>
+        <p:nvCxnSpPr>
+          <p:cNvPr id="104" name="Google Shape;104;p13">
+            <a:extLst>
+              <a:ext uri="{FF2B5EF4-FFF2-40B4-BE49-F238E27FC236}">
+                <a16:creationId xmlns:a16="http://schemas.microsoft.com/office/drawing/2014/main" id="{77F40305-4C6A-6C57-FF67-8A1F0FC73D3B}"/>
+              </a:ext>
+            </a:extLst>
+          </p:cNvPr>
+          <p:cNvCxnSpPr>
+            <a:stCxn id="87" idx="3"/>
+            <a:endCxn id="88" idx="1"/>
+          </p:cNvCxnSpPr>
+          <p:nvPr/>
+        </p:nvCxnSpPr>
+        <p:spPr>
+          <a:xfrm>
+            <a:off x="5440856" y="2265718"/>
+            <a:ext cx="1381679" cy="2023572"/>
+          </a:xfrm>
+          <a:prstGeom prst="curvedConnector3">
+            <a:avLst>
+              <a:gd name="adj1" fmla="val 50000"/>
+            </a:avLst>
+          </a:prstGeom>
+          <a:noFill/>
+          <a:ln w="19050" cap="flat" cmpd="sng">
+            <a:solidFill>
+              <a:schemeClr val="dk1"/>
+            </a:solidFill>
+            <a:prstDash val="solid"/>
+            <a:miter lim="800000"/>
+            <a:headEnd type="none" w="sm" len="sm"/>
+            <a:tailEnd type="triangle" w="med" len="med"/>
+          </a:ln>
+        </p:spPr>
+      </p:cxnSp>
+      <p:cxnSp>
+        <p:nvCxnSpPr>
+          <p:cNvPr id="2" name="Google Shape;98;p13">
+            <a:extLst>
+              <a:ext uri="{FF2B5EF4-FFF2-40B4-BE49-F238E27FC236}">
+                <a16:creationId xmlns:a16="http://schemas.microsoft.com/office/drawing/2014/main" id="{30157435-789B-4BB8-7168-E055A5046D9A}"/>
+              </a:ext>
+            </a:extLst>
+          </p:cNvPr>
+          <p:cNvCxnSpPr>
+            <a:cxnSpLocks/>
+            <a:stCxn id="95" idx="0"/>
+            <a:endCxn id="89" idx="1"/>
+          </p:cNvCxnSpPr>
+          <p:nvPr/>
+        </p:nvCxnSpPr>
+        <p:spPr>
+          <a:xfrm rot="5400000" flipH="1" flipV="1">
+            <a:off x="565759" y="4430803"/>
+            <a:ext cx="974035" cy="327443"/>
+          </a:xfrm>
+          <a:prstGeom prst="curvedConnector2">
+            <a:avLst/>
+          </a:prstGeom>
+          <a:noFill/>
+          <a:ln w="19050" cap="flat" cmpd="sng">
+            <a:solidFill>
+              <a:schemeClr val="dk1"/>
+            </a:solidFill>
+            <a:prstDash val="sysDot"/>
+            <a:miter lim="800000"/>
+            <a:headEnd type="none" w="sm" len="sm"/>
+            <a:tailEnd type="triangle" w="med" len="med"/>
+          </a:ln>
+        </p:spPr>
+      </p:cxnSp>
+      <p:cxnSp>
+        <p:nvCxnSpPr>
+          <p:cNvPr id="5" name="Google Shape;98;p13">
+            <a:extLst>
+              <a:ext uri="{FF2B5EF4-FFF2-40B4-BE49-F238E27FC236}">
+                <a16:creationId xmlns:a16="http://schemas.microsoft.com/office/drawing/2014/main" id="{52760215-10D8-BC20-B609-C3DD0092BD14}"/>
+              </a:ext>
+            </a:extLst>
+          </p:cNvPr>
+          <p:cNvCxnSpPr>
+            <a:cxnSpLocks/>
+            <a:stCxn id="97" idx="2"/>
+          </p:cNvCxnSpPr>
+          <p:nvPr/>
+        </p:nvCxnSpPr>
+        <p:spPr>
+          <a:xfrm rot="16200000" flipH="1">
+            <a:off x="2556460" y="1477232"/>
+            <a:ext cx="114404" cy="515831"/>
+          </a:xfrm>
+          <a:prstGeom prst="curvedConnector2">
+            <a:avLst/>
+          </a:prstGeom>
+          <a:noFill/>
+          <a:ln w="19050" cap="flat" cmpd="sng">
+            <a:solidFill>
+              <a:schemeClr val="dk1"/>
+            </a:solidFill>
+            <a:prstDash val="sysDot"/>
+            <a:miter lim="800000"/>
+            <a:headEnd type="none" w="sm" len="sm"/>
+            <a:tailEnd type="triangle" w="med" len="med"/>
+          </a:ln>
+        </p:spPr>
+      </p:cxnSp>
+      <p:sp>
+        <p:nvSpPr>
+          <p:cNvPr id="10" name="Google Shape;101;p13">
+            <a:extLst>
+              <a:ext uri="{FF2B5EF4-FFF2-40B4-BE49-F238E27FC236}">
+                <a16:creationId xmlns:a16="http://schemas.microsoft.com/office/drawing/2014/main" id="{A30F33BD-3174-7FDE-F130-A8F05538F815}"/>
+              </a:ext>
+            </a:extLst>
+          </p:cNvPr>
+          <p:cNvSpPr/>
+          <p:nvPr/>
+        </p:nvSpPr>
+        <p:spPr>
+          <a:xfrm>
+            <a:off x="8664300" y="5266963"/>
+            <a:ext cx="1918440" cy="493779"/>
+          </a:xfrm>
+          <a:prstGeom prst="rect">
+            <a:avLst/>
+          </a:prstGeom>
+          <a:noFill/>
+          <a:ln>
+            <a:noFill/>
+          </a:ln>
+        </p:spPr>
+        <p:txBody>
+          <a:bodyPr spcFirstLastPara="1" wrap="square" lIns="91425" tIns="45700" rIns="91425" bIns="45700" anchor="ctr" anchorCtr="0">
+            <a:noAutofit/>
+          </a:bodyPr>
+          <a:lstStyle/>
+          <a:p>
+            <a:pPr algn="ctr"/>
+            <a:r>
+              <a:rPr lang="es-PE" b="1" dirty="0">
+                <a:solidFill>
+                  <a:schemeClr val="tx1"/>
+                </a:solidFill>
+              </a:rPr>
+              <a:t>Respuesta del poder central</a:t>
+            </a:r>
+            <a:endParaRPr b="1" dirty="0">
+              <a:solidFill>
+                <a:schemeClr val="tx1"/>
+              </a:solidFill>
+            </a:endParaRPr>
+          </a:p>
+        </p:txBody>
+      </p:sp>
+      <p:sp>
+        <p:nvSpPr>
+          <p:cNvPr id="17" name="Freeform 16">
+            <a:extLst>
+              <a:ext uri="{FF2B5EF4-FFF2-40B4-BE49-F238E27FC236}">
+                <a16:creationId xmlns:a16="http://schemas.microsoft.com/office/drawing/2014/main" id="{D68E2940-7D19-CED7-B99C-B90DB9DAECF4}"/>
+              </a:ext>
+            </a:extLst>
+          </p:cNvPr>
+          <p:cNvSpPr/>
+          <p:nvPr/>
+        </p:nvSpPr>
+        <p:spPr>
+          <a:xfrm>
+            <a:off x="7383736" y="2526030"/>
+            <a:ext cx="502964" cy="1417320"/>
+          </a:xfrm>
+          <a:custGeom>
+            <a:avLst/>
+            <a:gdLst>
+              <a:gd name="connsiteX0" fmla="*/ 502964 w 502964"/>
+              <a:gd name="connsiteY0" fmla="*/ 1417320 h 1417320"/>
+              <a:gd name="connsiteX1" fmla="*/ 44 w 502964"/>
+              <a:gd name="connsiteY1" fmla="*/ 822960 h 1417320"/>
+              <a:gd name="connsiteX2" fmla="*/ 480104 w 502964"/>
+              <a:gd name="connsiteY2" fmla="*/ 0 h 1417320"/>
+            </a:gdLst>
+            <a:ahLst/>
+            <a:cxnLst>
+              <a:cxn ang="0">
+                <a:pos x="connsiteX0" y="connsiteY0"/>
+              </a:cxn>
+              <a:cxn ang="0">
+                <a:pos x="connsiteX1" y="connsiteY1"/>
+              </a:cxn>
+              <a:cxn ang="0">
+                <a:pos x="connsiteX2" y="connsiteY2"/>
+              </a:cxn>
+            </a:cxnLst>
+            <a:rect l="l" t="t" r="r" b="b"/>
+            <a:pathLst>
+              <a:path w="502964" h="1417320">
+                <a:moveTo>
+                  <a:pt x="502964" y="1417320"/>
+                </a:moveTo>
+                <a:cubicBezTo>
+                  <a:pt x="253409" y="1238250"/>
+                  <a:pt x="3854" y="1059180"/>
+                  <a:pt x="44" y="822960"/>
+                </a:cubicBezTo>
+                <a:cubicBezTo>
+                  <a:pt x="-3766" y="586740"/>
+                  <a:pt x="238169" y="293370"/>
+                  <a:pt x="480104" y="0"/>
+                </a:cubicBezTo>
+              </a:path>
+            </a:pathLst>
+          </a:custGeom>
+          <a:noFill/>
+          <a:ln>
+            <a:headEnd type="none" w="med" len="med"/>
+            <a:tailEnd type="arrow" w="med" len="med"/>
+          </a:ln>
+        </p:spPr>
+        <p:style>
+          <a:lnRef idx="2">
+            <a:schemeClr val="accent1">
+              <a:shade val="15000"/>
+            </a:schemeClr>
+          </a:lnRef>
+          <a:fillRef idx="1">
+            <a:schemeClr val="accent1"/>
+          </a:fillRef>
+          <a:effectRef idx="0">
+            <a:schemeClr val="accent1"/>
+          </a:effectRef>
+          <a:fontRef idx="minor">
+            <a:schemeClr val="lt1"/>
+          </a:fontRef>
+        </p:style>
+        <p:txBody>
+          <a:bodyPr rtlCol="0" anchor="ctr"/>
+          <a:lstStyle/>
+          <a:p>
+            <a:pPr algn="ctr"/>
+            <a:endParaRPr lang="es-ES_tradnl"/>
+          </a:p>
+        </p:txBody>
+      </p:sp>
+      <p:cxnSp>
+        <p:nvCxnSpPr>
+          <p:cNvPr id="18" name="Google Shape;98;p13">
+            <a:extLst>
+              <a:ext uri="{FF2B5EF4-FFF2-40B4-BE49-F238E27FC236}">
+                <a16:creationId xmlns:a16="http://schemas.microsoft.com/office/drawing/2014/main" id="{E6CA9DAD-4689-44F3-8C96-6AE716148CCA}"/>
+              </a:ext>
+            </a:extLst>
+          </p:cNvPr>
+          <p:cNvCxnSpPr>
+            <a:cxnSpLocks/>
+          </p:cNvCxnSpPr>
+          <p:nvPr/>
+        </p:nvCxnSpPr>
+        <p:spPr>
+          <a:xfrm rot="16200000" flipV="1">
+            <a:off x="9170640" y="1165436"/>
+            <a:ext cx="316306" cy="1034636"/>
+          </a:xfrm>
+          <a:prstGeom prst="curvedConnector2">
+            <a:avLst/>
+          </a:prstGeom>
+          <a:noFill/>
+          <a:ln w="19050" cap="flat" cmpd="sng">
+            <a:solidFill>
+              <a:schemeClr val="dk1"/>
+            </a:solidFill>
+            <a:prstDash val="sysDot"/>
+            <a:miter lim="800000"/>
+            <a:headEnd type="none" w="sm" len="sm"/>
+            <a:tailEnd type="triangle" w="med" len="med"/>
+          </a:ln>
+        </p:spPr>
+      </p:cxnSp>
+      <p:sp>
+        <p:nvSpPr>
+          <p:cNvPr id="31" name="Google Shape;92;p13">
+            <a:extLst>
+              <a:ext uri="{FF2B5EF4-FFF2-40B4-BE49-F238E27FC236}">
+                <a16:creationId xmlns:a16="http://schemas.microsoft.com/office/drawing/2014/main" id="{1B7EAF78-296A-6093-3275-B91DB0A8C4D7}"/>
+              </a:ext>
+            </a:extLst>
+          </p:cNvPr>
+          <p:cNvSpPr/>
+          <p:nvPr/>
+        </p:nvSpPr>
+        <p:spPr>
+          <a:xfrm>
+            <a:off x="9212143" y="4037064"/>
+            <a:ext cx="1481295" cy="543157"/>
+          </a:xfrm>
+          <a:prstGeom prst="rect">
+            <a:avLst/>
+          </a:prstGeom>
+          <a:noFill/>
+          <a:ln>
+            <a:noFill/>
+          </a:ln>
+        </p:spPr>
+        <p:txBody>
+          <a:bodyPr spcFirstLastPara="1" wrap="square" lIns="91425" tIns="45700" rIns="91425" bIns="45700" anchor="ctr" anchorCtr="0">
+            <a:noAutofit/>
+          </a:bodyPr>
+          <a:lstStyle/>
+          <a:p>
+            <a:pPr marL="0" marR="0" lvl="0" indent="0" algn="l" rtl="0">
+              <a:spcBef>
+                <a:spcPts val="0"/>
+              </a:spcBef>
+              <a:spcAft>
+                <a:spcPts val="0"/>
+              </a:spcAft>
+              <a:buNone/>
+            </a:pPr>
+            <a:r>
+              <a:rPr lang="es-PE" sz="1200" i="1" u="none" strike="noStrike" cap="none" dirty="0">
+                <a:solidFill>
+                  <a:schemeClr val="dk1"/>
+                </a:solidFill>
+                <a:latin typeface="Arial"/>
+                <a:ea typeface="Arial"/>
+                <a:cs typeface="Arial"/>
+                <a:sym typeface="Arial"/>
+              </a:rPr>
+              <a:t>Coalición de gobernanza </a:t>
+            </a:r>
+            <a:endParaRPr sz="1200" i="1" dirty="0">
+              <a:solidFill>
+                <a:schemeClr val="dk1"/>
+              </a:solidFill>
+            </a:endParaRPr>
+          </a:p>
+        </p:txBody>
+      </p:sp>
+      <p:cxnSp>
+        <p:nvCxnSpPr>
+          <p:cNvPr id="32" name="Google Shape;98;p13">
+            <a:extLst>
+              <a:ext uri="{FF2B5EF4-FFF2-40B4-BE49-F238E27FC236}">
+                <a16:creationId xmlns:a16="http://schemas.microsoft.com/office/drawing/2014/main" id="{02A65739-8ADC-BCC6-AE31-53A3CD5F4154}"/>
+              </a:ext>
+            </a:extLst>
+          </p:cNvPr>
+          <p:cNvCxnSpPr>
+            <a:cxnSpLocks/>
+            <a:stCxn id="31" idx="0"/>
+          </p:cNvCxnSpPr>
+          <p:nvPr/>
+        </p:nvCxnSpPr>
+        <p:spPr>
+          <a:xfrm rot="16200000" flipV="1">
+            <a:off x="8375584" y="2459857"/>
+            <a:ext cx="814007" cy="2340408"/>
+          </a:xfrm>
+          <a:prstGeom prst="curvedConnector2">
+            <a:avLst/>
+          </a:prstGeom>
+          <a:noFill/>
+          <a:ln w="19050" cap="flat" cmpd="sng">
+            <a:solidFill>
+              <a:schemeClr val="dk1"/>
+            </a:solidFill>
+            <a:prstDash val="sysDot"/>
+            <a:miter lim="800000"/>
+            <a:headEnd type="none" w="sm" len="sm"/>
+            <a:tailEnd type="triangle" w="med" len="med"/>
+          </a:ln>
+        </p:spPr>
+      </p:cxnSp>
+    </p:spTree>
+    <p:extLst>
+      <p:ext uri="{BB962C8B-B14F-4D97-AF65-F5344CB8AC3E}">
+        <p14:creationId xmlns:p14="http://schemas.microsoft.com/office/powerpoint/2010/main" val="3997714654"/>
+      </p:ext>
+    </p:extLst>
+  </p:cSld>
+  <p:clrMapOvr>
+    <a:masterClrMapping/>
+  </p:clrMapOvr>
+</p:sld>
+</file>
+
+<file path=ppt/slides/slide3.xml><?xml version="1.0" encoding="utf-8"?>
+<p:sld xmlns:a="http://schemas.openxmlformats.org/drawingml/2006/main" xmlns:r="http://schemas.openxmlformats.org/officeDocument/2006/relationships" xmlns:p="http://schemas.openxmlformats.org/presentationml/2006/main">
+  <p:cSld>
+    <p:spTree>
+      <p:nvGrpSpPr>
+        <p:cNvPr id="1" name="Shape 83">
+          <a:extLst>
+            <a:ext uri="{FF2B5EF4-FFF2-40B4-BE49-F238E27FC236}">
+              <a16:creationId xmlns:a16="http://schemas.microsoft.com/office/drawing/2014/main" id="{A0A22E28-8DA5-3B95-A6EC-9A578FF04179}"/>
+            </a:ext>
+          </a:extLst>
+        </p:cNvPr>
+        <p:cNvGrpSpPr/>
+        <p:nvPr/>
+      </p:nvGrpSpPr>
+      <p:grpSpPr>
+        <a:xfrm>
+          <a:off x="0" y="0"/>
+          <a:ext cx="0" cy="0"/>
+          <a:chOff x="0" y="0"/>
+          <a:chExt cx="0" cy="0"/>
+        </a:xfrm>
+      </p:grpSpPr>
+      <p:grpSp>
+        <p:nvGrpSpPr>
+          <p:cNvPr id="205" name="Group 204">
+            <a:extLst>
+              <a:ext uri="{FF2B5EF4-FFF2-40B4-BE49-F238E27FC236}">
+                <a16:creationId xmlns:a16="http://schemas.microsoft.com/office/drawing/2014/main" id="{3ADF0BE8-976E-F8EE-C962-CE0E5D6776B4}"/>
+              </a:ext>
+            </a:extLst>
+          </p:cNvPr>
+          <p:cNvGrpSpPr/>
+          <p:nvPr/>
+        </p:nvGrpSpPr>
+        <p:grpSpPr>
+          <a:xfrm>
+            <a:off x="1200346" y="406400"/>
+            <a:ext cx="9556317" cy="6066971"/>
+            <a:chOff x="1200346" y="406400"/>
+            <a:chExt cx="9556317" cy="6066971"/>
+          </a:xfrm>
+        </p:grpSpPr>
+        <p:sp>
+          <p:nvSpPr>
+            <p:cNvPr id="203" name="Rectangle 202">
+              <a:extLst>
+                <a:ext uri="{FF2B5EF4-FFF2-40B4-BE49-F238E27FC236}">
+                  <a16:creationId xmlns:a16="http://schemas.microsoft.com/office/drawing/2014/main" id="{3BE95E02-D2C7-CF09-ECF1-C0688C879D6C}"/>
+                </a:ext>
+              </a:extLst>
+            </p:cNvPr>
+            <p:cNvSpPr/>
+            <p:nvPr/>
+          </p:nvSpPr>
+          <p:spPr>
+            <a:xfrm>
+              <a:off x="1200346" y="406400"/>
+              <a:ext cx="9556317" cy="6066971"/>
+            </a:xfrm>
+            <a:prstGeom prst="rect">
+              <a:avLst/>
+            </a:prstGeom>
+            <a:solidFill>
+              <a:schemeClr val="bg1"/>
+            </a:solidFill>
+            <a:ln>
+              <a:noFill/>
+            </a:ln>
+          </p:spPr>
+          <p:style>
+            <a:lnRef idx="2">
+              <a:schemeClr val="accent1">
+                <a:shade val="15000"/>
+              </a:schemeClr>
+            </a:lnRef>
+            <a:fillRef idx="1">
+              <a:schemeClr val="accent1"/>
+            </a:fillRef>
+            <a:effectRef idx="0">
+              <a:schemeClr val="accent1"/>
+            </a:effectRef>
+            <a:fontRef idx="minor">
+              <a:schemeClr val="lt1"/>
+            </a:fontRef>
+          </p:style>
+          <p:txBody>
+            <a:bodyPr rtlCol="0" anchor="ctr"/>
+            <a:lstStyle/>
+            <a:p>
+              <a:pPr algn="ctr"/>
+              <a:endParaRPr lang="es-ES_tradnl"/>
+            </a:p>
+          </p:txBody>
+        </p:sp>
+        <p:sp>
+          <p:nvSpPr>
+            <p:cNvPr id="3" name="Google Shape;86;p13">
+              <a:extLst>
+                <a:ext uri="{FF2B5EF4-FFF2-40B4-BE49-F238E27FC236}">
+                  <a16:creationId xmlns:a16="http://schemas.microsoft.com/office/drawing/2014/main" id="{63D16D9B-88E3-8015-7EBD-353373908F81}"/>
+                </a:ext>
+              </a:extLst>
+            </p:cNvPr>
+            <p:cNvSpPr/>
+            <p:nvPr/>
+          </p:nvSpPr>
+          <p:spPr>
+            <a:xfrm>
+              <a:off x="1200347" y="4274047"/>
+              <a:ext cx="2126001" cy="773475"/>
+            </a:xfrm>
+            <a:prstGeom prst="rect">
+              <a:avLst/>
+            </a:prstGeom>
+            <a:noFill/>
+            <a:ln w="19050" cap="flat" cmpd="sng">
+              <a:noFill/>
+              <a:prstDash val="solid"/>
+              <a:miter lim="800000"/>
+              <a:headEnd type="none" w="sm" len="sm"/>
+              <a:tailEnd type="none" w="sm" len="sm"/>
+            </a:ln>
+          </p:spPr>
+          <p:txBody>
+            <a:bodyPr spcFirstLastPara="1" wrap="square" lIns="91425" tIns="45700" rIns="91425" bIns="45700" anchor="ctr" anchorCtr="0">
+              <a:noAutofit/>
+            </a:bodyPr>
+            <a:lstStyle/>
+            <a:p>
+              <a:pPr marL="0" marR="0" lvl="0" indent="0" algn="ctr" rtl="0">
+                <a:spcBef>
+                  <a:spcPts val="0"/>
+                </a:spcBef>
+                <a:spcAft>
+                  <a:spcPts val="0"/>
+                </a:spcAft>
+                <a:buNone/>
+              </a:pPr>
+              <a:r>
+                <a:rPr lang="es-PE" sz="1600" b="1" i="0" u="none" strike="noStrike" cap="none" dirty="0">
+                  <a:solidFill>
+                    <a:sysClr val="windowText" lastClr="000000"/>
+                  </a:solidFill>
+                  <a:latin typeface="Arial"/>
+                  <a:ea typeface="Arial"/>
+                  <a:cs typeface="Arial"/>
+                  <a:sym typeface="Arial"/>
+                </a:rPr>
+                <a:t>CLIVAJES</a:t>
+              </a:r>
+              <a:endParaRPr lang="es-PE" b="1" dirty="0">
+                <a:solidFill>
+                  <a:sysClr val="windowText" lastClr="000000"/>
+                </a:solidFill>
+              </a:endParaRPr>
+            </a:p>
+          </p:txBody>
+        </p:sp>
+        <p:sp>
+          <p:nvSpPr>
+            <p:cNvPr id="4" name="Google Shape;87;p13">
+              <a:extLst>
+                <a:ext uri="{FF2B5EF4-FFF2-40B4-BE49-F238E27FC236}">
+                  <a16:creationId xmlns:a16="http://schemas.microsoft.com/office/drawing/2014/main" id="{A393A40E-1C33-ACC6-70B9-60DBC034B210}"/>
+                </a:ext>
+              </a:extLst>
+            </p:cNvPr>
+            <p:cNvSpPr/>
+            <p:nvPr/>
+          </p:nvSpPr>
+          <p:spPr>
+            <a:xfrm>
+              <a:off x="3439651" y="3267437"/>
+              <a:ext cx="2126001" cy="652204"/>
+            </a:xfrm>
+            <a:prstGeom prst="rect">
+              <a:avLst/>
+            </a:prstGeom>
+            <a:noFill/>
+            <a:ln w="19050" cap="flat" cmpd="sng">
+              <a:noFill/>
+              <a:prstDash val="solid"/>
+              <a:miter lim="800000"/>
+              <a:headEnd type="none" w="sm" len="sm"/>
+              <a:tailEnd type="none" w="sm" len="sm"/>
+            </a:ln>
+          </p:spPr>
+          <p:txBody>
+            <a:bodyPr spcFirstLastPara="1" wrap="square" lIns="91425" tIns="45700" rIns="91425" bIns="45700" anchor="ctr" anchorCtr="0">
+              <a:noAutofit/>
+            </a:bodyPr>
+            <a:lstStyle/>
+            <a:p>
+              <a:pPr algn="ctr"/>
+              <a:r>
+                <a:rPr lang="es-PE" sz="1600" b="1" dirty="0">
+                  <a:solidFill>
+                    <a:sysClr val="windowText" lastClr="000000"/>
+                  </a:solidFill>
+                </a:rPr>
+                <a:t>COYUNTURA</a:t>
+              </a:r>
+            </a:p>
+          </p:txBody>
+        </p:sp>
+        <p:sp>
+          <p:nvSpPr>
+            <p:cNvPr id="6" name="Google Shape;88;p13">
+              <a:extLst>
+                <a:ext uri="{FF2B5EF4-FFF2-40B4-BE49-F238E27FC236}">
+                  <a16:creationId xmlns:a16="http://schemas.microsoft.com/office/drawing/2014/main" id="{3F01961A-1085-9051-D013-23DAF15B3C86}"/>
+                </a:ext>
+              </a:extLst>
+            </p:cNvPr>
+            <p:cNvSpPr/>
+            <p:nvPr/>
+          </p:nvSpPr>
+          <p:spPr>
+            <a:xfrm>
+              <a:off x="7149733" y="2391727"/>
+              <a:ext cx="2126100" cy="369332"/>
+            </a:xfrm>
+            <a:prstGeom prst="rect">
+              <a:avLst/>
+            </a:prstGeom>
+            <a:noFill/>
+            <a:ln>
+              <a:noFill/>
+            </a:ln>
+          </p:spPr>
+          <p:txBody>
+            <a:bodyPr wrap="square" rtlCol="0">
+              <a:spAutoFit/>
+            </a:bodyPr>
+            <a:lstStyle/>
+            <a:p>
+              <a:pPr algn="r"/>
+              <a:r>
+                <a:rPr lang="es-PE" sz="1800" i="1" dirty="0">
+                  <a:solidFill>
+                    <a:schemeClr val="tx1">
+                      <a:lumMod val="65000"/>
+                      <a:lumOff val="35000"/>
+                    </a:schemeClr>
+                  </a:solidFill>
+                  <a:latin typeface="Agency FB" panose="020B0503020202020204" pitchFamily="34" charset="77"/>
+                </a:rPr>
+                <a:t>¿Secuelas ?</a:t>
+              </a:r>
+            </a:p>
+          </p:txBody>
+        </p:sp>
+        <p:sp>
+          <p:nvSpPr>
+            <p:cNvPr id="7" name="Google Shape;96;p13">
+              <a:extLst>
+                <a:ext uri="{FF2B5EF4-FFF2-40B4-BE49-F238E27FC236}">
+                  <a16:creationId xmlns:a16="http://schemas.microsoft.com/office/drawing/2014/main" id="{3113E782-D584-FC91-1BDB-23D281708EA5}"/>
+                </a:ext>
+              </a:extLst>
+            </p:cNvPr>
+            <p:cNvSpPr/>
+            <p:nvPr/>
+          </p:nvSpPr>
+          <p:spPr>
+            <a:xfrm>
+              <a:off x="7358866" y="1375857"/>
+              <a:ext cx="2126100" cy="369332"/>
+            </a:xfrm>
+            <a:prstGeom prst="rect">
+              <a:avLst/>
+            </a:prstGeom>
+            <a:noFill/>
+            <a:ln>
+              <a:noFill/>
+            </a:ln>
+          </p:spPr>
+          <p:txBody>
+            <a:bodyPr wrap="square" rtlCol="0">
+              <a:spAutoFit/>
+            </a:bodyPr>
+            <a:lstStyle/>
+            <a:p>
+              <a:pPr algn="r"/>
+              <a:r>
+                <a:rPr lang="es-PE" sz="1800" i="1" dirty="0">
+                  <a:solidFill>
+                    <a:schemeClr val="tx1">
+                      <a:lumMod val="65000"/>
+                      <a:lumOff val="35000"/>
+                    </a:schemeClr>
+                  </a:solidFill>
+                  <a:latin typeface="Agency FB" panose="020B0503020202020204" pitchFamily="34" charset="77"/>
+                </a:rPr>
+                <a:t>¿Legados ?</a:t>
+              </a:r>
+            </a:p>
+          </p:txBody>
+        </p:sp>
+        <p:sp>
+          <p:nvSpPr>
+            <p:cNvPr id="8" name="Oval 7">
+              <a:extLst>
+                <a:ext uri="{FF2B5EF4-FFF2-40B4-BE49-F238E27FC236}">
+                  <a16:creationId xmlns:a16="http://schemas.microsoft.com/office/drawing/2014/main" id="{D0D31309-1683-F244-F74C-5220EDA67E4C}"/>
+                </a:ext>
+              </a:extLst>
+            </p:cNvPr>
+            <p:cNvSpPr/>
+            <p:nvPr/>
+          </p:nvSpPr>
+          <p:spPr>
+            <a:xfrm>
+              <a:off x="3585028" y="3164009"/>
+              <a:ext cx="1759317" cy="1638198"/>
+            </a:xfrm>
+            <a:prstGeom prst="ellipse">
+              <a:avLst/>
+            </a:prstGeom>
+            <a:noFill/>
+          </p:spPr>
+          <p:style>
+            <a:lnRef idx="2">
+              <a:schemeClr val="accent1">
+                <a:shade val="15000"/>
+              </a:schemeClr>
+            </a:lnRef>
+            <a:fillRef idx="1">
+              <a:schemeClr val="accent1"/>
+            </a:fillRef>
+            <a:effectRef idx="0">
+              <a:schemeClr val="accent1"/>
+            </a:effectRef>
+            <a:fontRef idx="minor">
+              <a:schemeClr val="lt1"/>
+            </a:fontRef>
+          </p:style>
+          <p:txBody>
+            <a:bodyPr rtlCol="0" anchor="ctr"/>
+            <a:lstStyle/>
+            <a:p>
+              <a:pPr algn="ctr"/>
+              <a:endParaRPr lang="es-ES_tradnl"/>
+            </a:p>
+          </p:txBody>
+        </p:sp>
+        <p:sp>
+          <p:nvSpPr>
+            <p:cNvPr id="9" name="Oval 8">
+              <a:extLst>
+                <a:ext uri="{FF2B5EF4-FFF2-40B4-BE49-F238E27FC236}">
+                  <a16:creationId xmlns:a16="http://schemas.microsoft.com/office/drawing/2014/main" id="{DADF9C7D-0F34-879D-2123-C67976C81E07}"/>
+                </a:ext>
+              </a:extLst>
+            </p:cNvPr>
+            <p:cNvSpPr/>
+            <p:nvPr/>
+          </p:nvSpPr>
+          <p:spPr>
+            <a:xfrm>
+              <a:off x="7060643" y="1013487"/>
+              <a:ext cx="2390882" cy="1074206"/>
+            </a:xfrm>
+            <a:prstGeom prst="ellipse">
+              <a:avLst/>
+            </a:prstGeom>
+            <a:noFill/>
+            <a:ln>
+              <a:solidFill>
+                <a:schemeClr val="tx1">
+                  <a:lumMod val="65000"/>
+                  <a:lumOff val="35000"/>
+                </a:schemeClr>
+              </a:solidFill>
+              <a:prstDash val="dash"/>
+            </a:ln>
+          </p:spPr>
+          <p:style>
+            <a:lnRef idx="2">
+              <a:schemeClr val="accent1">
+                <a:shade val="15000"/>
+              </a:schemeClr>
+            </a:lnRef>
+            <a:fillRef idx="1">
+              <a:schemeClr val="accent1"/>
+            </a:fillRef>
+            <a:effectRef idx="0">
+              <a:schemeClr val="accent1"/>
+            </a:effectRef>
+            <a:fontRef idx="minor">
+              <a:schemeClr val="lt1"/>
+            </a:fontRef>
+          </p:style>
+          <p:txBody>
+            <a:bodyPr rtlCol="0" anchor="ctr"/>
+            <a:lstStyle/>
+            <a:p>
+              <a:pPr algn="ctr"/>
+              <a:endParaRPr lang="es-ES_tradnl"/>
+            </a:p>
+          </p:txBody>
+        </p:sp>
+        <p:sp>
+          <p:nvSpPr>
+            <p:cNvPr id="11" name="Oval 10">
+              <a:extLst>
+                <a:ext uri="{FF2B5EF4-FFF2-40B4-BE49-F238E27FC236}">
+                  <a16:creationId xmlns:a16="http://schemas.microsoft.com/office/drawing/2014/main" id="{EB670F3A-0C1B-85C0-D115-32CC2A28B5A5}"/>
+                </a:ext>
+              </a:extLst>
+            </p:cNvPr>
+            <p:cNvSpPr/>
+            <p:nvPr/>
+          </p:nvSpPr>
+          <p:spPr>
+            <a:xfrm>
+              <a:off x="6644344" y="1013487"/>
+              <a:ext cx="3164418" cy="1941434"/>
+            </a:xfrm>
+            <a:prstGeom prst="ellipse">
+              <a:avLst/>
+            </a:prstGeom>
+            <a:noFill/>
+            <a:ln>
+              <a:solidFill>
+                <a:schemeClr val="tx1">
+                  <a:lumMod val="65000"/>
+                  <a:lumOff val="35000"/>
+                </a:schemeClr>
+              </a:solidFill>
+              <a:prstDash val="dash"/>
+            </a:ln>
+          </p:spPr>
+          <p:style>
+            <a:lnRef idx="2">
+              <a:schemeClr val="accent1">
+                <a:shade val="15000"/>
+              </a:schemeClr>
+            </a:lnRef>
+            <a:fillRef idx="1">
+              <a:schemeClr val="accent1"/>
+            </a:fillRef>
+            <a:effectRef idx="0">
+              <a:schemeClr val="accent1"/>
+            </a:effectRef>
+            <a:fontRef idx="minor">
+              <a:schemeClr val="lt1"/>
+            </a:fontRef>
+          </p:style>
+          <p:txBody>
+            <a:bodyPr rtlCol="0" anchor="ctr"/>
+            <a:lstStyle/>
+            <a:p>
+              <a:pPr algn="ctr"/>
+              <a:endParaRPr lang="es-ES_tradnl"/>
+            </a:p>
+          </p:txBody>
+        </p:sp>
+        <p:sp>
+          <p:nvSpPr>
+            <p:cNvPr id="13" name="TextBox 12">
+              <a:extLst>
+                <a:ext uri="{FF2B5EF4-FFF2-40B4-BE49-F238E27FC236}">
+                  <a16:creationId xmlns:a16="http://schemas.microsoft.com/office/drawing/2014/main" id="{02E3D766-1707-9970-42F5-432E90285D52}"/>
+                </a:ext>
+              </a:extLst>
+            </p:cNvPr>
+            <p:cNvSpPr txBox="1"/>
+            <p:nvPr/>
+          </p:nvSpPr>
+          <p:spPr>
+            <a:xfrm>
+              <a:off x="6578310" y="3501368"/>
+              <a:ext cx="1589176" cy="646331"/>
+            </a:xfrm>
+            <a:prstGeom prst="rect">
+              <a:avLst/>
+            </a:prstGeom>
+            <a:noFill/>
+            <a:ln>
+              <a:noFill/>
+            </a:ln>
+          </p:spPr>
+          <p:txBody>
+            <a:bodyPr wrap="square" rtlCol="0">
+              <a:spAutoFit/>
+            </a:bodyPr>
+            <a:lstStyle>
+              <a:defPPr marR="0" lvl="0" algn="l" rtl="0">
+                <a:lnSpc>
+                  <a:spcPct val="100000"/>
+                </a:lnSpc>
+                <a:spcBef>
+                  <a:spcPts val="0"/>
+                </a:spcBef>
+                <a:spcAft>
+                  <a:spcPts val="0"/>
+                </a:spcAft>
+              </a:defPPr>
+              <a:lvl1pPr algn="r">
+                <a:defRPr sz="1800" i="1">
+                  <a:solidFill>
+                    <a:schemeClr val="tx1">
+                      <a:lumMod val="65000"/>
+                      <a:lumOff val="35000"/>
+                    </a:schemeClr>
+                  </a:solidFill>
+                  <a:latin typeface="Agency FB" panose="020B0503020202020204" pitchFamily="34" charset="77"/>
+                </a:defRPr>
+              </a:lvl1pPr>
+            </a:lstStyle>
+            <a:p>
+              <a:r>
+                <a:rPr lang="es-PE" dirty="0"/>
+                <a:t>¿Posibilidades Estatales?</a:t>
+              </a:r>
+            </a:p>
+          </p:txBody>
+        </p:sp>
+        <p:sp>
+          <p:nvSpPr>
+            <p:cNvPr id="14" name="Oval 13">
+              <a:extLst>
+                <a:ext uri="{FF2B5EF4-FFF2-40B4-BE49-F238E27FC236}">
+                  <a16:creationId xmlns:a16="http://schemas.microsoft.com/office/drawing/2014/main" id="{573F7D49-CFE1-5384-292D-09C6FF2FF9F7}"/>
+                </a:ext>
+              </a:extLst>
+            </p:cNvPr>
+            <p:cNvSpPr/>
+            <p:nvPr/>
+          </p:nvSpPr>
+          <p:spPr>
+            <a:xfrm>
+              <a:off x="6227215" y="1015994"/>
+              <a:ext cx="4057739" cy="3441156"/>
+            </a:xfrm>
+            <a:prstGeom prst="ellipse">
+              <a:avLst/>
+            </a:prstGeom>
+            <a:noFill/>
+          </p:spPr>
+          <p:style>
+            <a:lnRef idx="2">
+              <a:schemeClr val="accent1">
+                <a:shade val="15000"/>
+              </a:schemeClr>
+            </a:lnRef>
+            <a:fillRef idx="1">
+              <a:schemeClr val="accent1"/>
+            </a:fillRef>
+            <a:effectRef idx="0">
+              <a:schemeClr val="accent1"/>
+            </a:effectRef>
+            <a:fontRef idx="minor">
+              <a:schemeClr val="lt1"/>
+            </a:fontRef>
+          </p:style>
+          <p:txBody>
+            <a:bodyPr rtlCol="0" anchor="ctr"/>
+            <a:lstStyle/>
+            <a:p>
+              <a:pPr algn="ctr"/>
+              <a:endParaRPr lang="es-ES_tradnl"/>
+            </a:p>
+          </p:txBody>
+        </p:sp>
+        <p:sp>
+          <p:nvSpPr>
+            <p:cNvPr id="15" name="Oval 14">
+              <a:extLst>
+                <a:ext uri="{FF2B5EF4-FFF2-40B4-BE49-F238E27FC236}">
+                  <a16:creationId xmlns:a16="http://schemas.microsoft.com/office/drawing/2014/main" id="{9A72F2CE-85F8-DCBB-572E-9EDBDD29585D}"/>
+                </a:ext>
+              </a:extLst>
+            </p:cNvPr>
+            <p:cNvSpPr/>
+            <p:nvPr/>
+          </p:nvSpPr>
+          <p:spPr>
+            <a:xfrm>
+              <a:off x="1435337" y="2073791"/>
+              <a:ext cx="3909007" cy="3877055"/>
+            </a:xfrm>
+            <a:prstGeom prst="ellipse">
+              <a:avLst/>
+            </a:prstGeom>
+            <a:noFill/>
+          </p:spPr>
+          <p:style>
+            <a:lnRef idx="2">
+              <a:schemeClr val="accent1">
+                <a:shade val="15000"/>
+              </a:schemeClr>
+            </a:lnRef>
+            <a:fillRef idx="1">
+              <a:schemeClr val="accent1"/>
+            </a:fillRef>
+            <a:effectRef idx="0">
+              <a:schemeClr val="accent1"/>
+            </a:effectRef>
+            <a:fontRef idx="minor">
+              <a:schemeClr val="lt1"/>
+            </a:fontRef>
+          </p:style>
+          <p:txBody>
+            <a:bodyPr rtlCol="0" anchor="ctr"/>
+            <a:lstStyle/>
+            <a:p>
+              <a:pPr algn="ctr"/>
+              <a:endParaRPr lang="es-ES_tradnl"/>
+            </a:p>
+          </p:txBody>
+        </p:sp>
+        <p:cxnSp>
+          <p:nvCxnSpPr>
+            <p:cNvPr id="22" name="Curved Connector 21">
+              <a:extLst>
+                <a:ext uri="{FF2B5EF4-FFF2-40B4-BE49-F238E27FC236}">
+                  <a16:creationId xmlns:a16="http://schemas.microsoft.com/office/drawing/2014/main" id="{9CE2BED4-F764-EED0-6B02-4861C0FF3541}"/>
+                </a:ext>
+              </a:extLst>
+            </p:cNvPr>
+            <p:cNvCxnSpPr>
+              <a:cxnSpLocks/>
+              <a:stCxn id="8" idx="3"/>
+              <a:endCxn id="61" idx="1"/>
+            </p:cNvCxnSpPr>
+            <p:nvPr/>
+          </p:nvCxnSpPr>
+          <p:spPr>
+            <a:xfrm rot="16200000" flipH="1">
+              <a:off x="4887368" y="3517603"/>
+              <a:ext cx="1518980" cy="3608369"/>
+            </a:xfrm>
+            <a:prstGeom prst="curvedConnector3">
+              <a:avLst>
+                <a:gd name="adj1" fmla="val 115100"/>
+              </a:avLst>
+            </a:prstGeom>
+            <a:ln w="38100">
+              <a:solidFill>
+                <a:schemeClr val="tx1">
+                  <a:lumMod val="50000"/>
+                  <a:lumOff val="50000"/>
+                </a:schemeClr>
+              </a:solidFill>
+              <a:prstDash val="sysDot"/>
+              <a:tailEnd type="triangle"/>
+            </a:ln>
+          </p:spPr>
+          <p:style>
+            <a:lnRef idx="1">
+              <a:schemeClr val="accent1"/>
+            </a:lnRef>
+            <a:fillRef idx="0">
+              <a:schemeClr val="accent1"/>
+            </a:fillRef>
+            <a:effectRef idx="0">
+              <a:schemeClr val="accent1"/>
+            </a:effectRef>
+            <a:fontRef idx="minor">
+              <a:schemeClr val="tx1"/>
+            </a:fontRef>
+          </p:style>
+        </p:cxnSp>
+        <p:cxnSp>
+          <p:nvCxnSpPr>
+            <p:cNvPr id="23" name="Curved Connector 22">
+              <a:extLst>
+                <a:ext uri="{FF2B5EF4-FFF2-40B4-BE49-F238E27FC236}">
+                  <a16:creationId xmlns:a16="http://schemas.microsoft.com/office/drawing/2014/main" id="{0976089C-16BD-8497-4CDC-95652EA618A0}"/>
+                </a:ext>
+              </a:extLst>
+            </p:cNvPr>
+            <p:cNvCxnSpPr>
+              <a:cxnSpLocks/>
+              <a:endCxn id="14" idx="3"/>
+            </p:cNvCxnSpPr>
+            <p:nvPr/>
+          </p:nvCxnSpPr>
+          <p:spPr>
+            <a:xfrm flipV="1">
+              <a:off x="5232281" y="3953204"/>
+              <a:ext cx="1589176" cy="403220"/>
+            </a:xfrm>
+            <a:prstGeom prst="curvedConnector4">
+              <a:avLst>
+                <a:gd name="adj1" fmla="val 31303"/>
+                <a:gd name="adj2" fmla="val 43306"/>
+              </a:avLst>
+            </a:prstGeom>
+            <a:ln w="38100">
+              <a:solidFill>
+                <a:schemeClr val="tx1">
+                  <a:lumMod val="50000"/>
+                  <a:lumOff val="50000"/>
+                </a:schemeClr>
+              </a:solidFill>
+              <a:prstDash val="dash"/>
+              <a:tailEnd type="triangle"/>
+            </a:ln>
+          </p:spPr>
+          <p:style>
+            <a:lnRef idx="1">
+              <a:schemeClr val="accent1"/>
+            </a:lnRef>
+            <a:fillRef idx="0">
+              <a:schemeClr val="accent1"/>
+            </a:fillRef>
+            <a:effectRef idx="0">
+              <a:schemeClr val="accent1"/>
+            </a:effectRef>
+            <a:fontRef idx="minor">
+              <a:schemeClr val="tx1"/>
+            </a:fontRef>
+          </p:style>
+        </p:cxnSp>
+        <p:cxnSp>
+          <p:nvCxnSpPr>
+            <p:cNvPr id="26" name="Curved Connector 25">
+              <a:extLst>
+                <a:ext uri="{FF2B5EF4-FFF2-40B4-BE49-F238E27FC236}">
+                  <a16:creationId xmlns:a16="http://schemas.microsoft.com/office/drawing/2014/main" id="{4B56DB08-228B-73AD-31BF-55D42774553A}"/>
+                </a:ext>
+              </a:extLst>
+            </p:cNvPr>
+            <p:cNvCxnSpPr>
+              <a:cxnSpLocks/>
+              <a:stCxn id="15" idx="6"/>
+            </p:cNvCxnSpPr>
+            <p:nvPr/>
+          </p:nvCxnSpPr>
+          <p:spPr>
+            <a:xfrm flipV="1">
+              <a:off x="5344344" y="3531348"/>
+              <a:ext cx="949481" cy="480971"/>
+            </a:xfrm>
+            <a:prstGeom prst="curvedConnector3">
+              <a:avLst>
+                <a:gd name="adj1" fmla="val 50000"/>
+              </a:avLst>
+            </a:prstGeom>
+            <a:ln w="38100">
+              <a:solidFill>
+                <a:schemeClr val="tx1">
+                  <a:lumMod val="50000"/>
+                  <a:lumOff val="50000"/>
+                </a:schemeClr>
+              </a:solidFill>
+              <a:prstDash val="dash"/>
+              <a:tailEnd type="triangle"/>
+            </a:ln>
+          </p:spPr>
+          <p:style>
+            <a:lnRef idx="1">
+              <a:schemeClr val="accent1"/>
+            </a:lnRef>
+            <a:fillRef idx="0">
+              <a:schemeClr val="accent1"/>
+            </a:fillRef>
+            <a:effectRef idx="0">
+              <a:schemeClr val="accent1"/>
+            </a:effectRef>
+            <a:fontRef idx="minor">
+              <a:schemeClr val="tx1"/>
+            </a:fontRef>
+          </p:style>
+        </p:cxnSp>
+        <p:cxnSp>
+          <p:nvCxnSpPr>
+            <p:cNvPr id="30" name="Curved Connector 29">
+              <a:extLst>
+                <a:ext uri="{FF2B5EF4-FFF2-40B4-BE49-F238E27FC236}">
+                  <a16:creationId xmlns:a16="http://schemas.microsoft.com/office/drawing/2014/main" id="{F75C803D-0C33-3931-5AAC-E56A16CE5B68}"/>
+                </a:ext>
+              </a:extLst>
+            </p:cNvPr>
+            <p:cNvCxnSpPr>
+              <a:cxnSpLocks/>
+              <a:stCxn id="8" idx="4"/>
+              <a:endCxn id="14" idx="5"/>
+            </p:cNvCxnSpPr>
+            <p:nvPr/>
+          </p:nvCxnSpPr>
+          <p:spPr>
+            <a:xfrm rot="5400000" flipH="1" flipV="1">
+              <a:off x="6653197" y="1764693"/>
+              <a:ext cx="849003" cy="5226025"/>
+            </a:xfrm>
+            <a:prstGeom prst="curvedConnector3">
+              <a:avLst>
+                <a:gd name="adj1" fmla="val -26926"/>
+              </a:avLst>
+            </a:prstGeom>
+            <a:ln w="38100">
+              <a:solidFill>
+                <a:schemeClr val="tx1">
+                  <a:lumMod val="50000"/>
+                  <a:lumOff val="50000"/>
+                </a:schemeClr>
+              </a:solidFill>
+              <a:prstDash val="dash"/>
+              <a:tailEnd type="triangle"/>
+            </a:ln>
+          </p:spPr>
+          <p:style>
+            <a:lnRef idx="1">
+              <a:schemeClr val="accent1"/>
+            </a:lnRef>
+            <a:fillRef idx="0">
+              <a:schemeClr val="accent1"/>
+            </a:fillRef>
+            <a:effectRef idx="0">
+              <a:schemeClr val="accent1"/>
+            </a:effectRef>
+            <a:fontRef idx="minor">
+              <a:schemeClr val="tx1"/>
+            </a:fontRef>
+          </p:style>
+        </p:cxnSp>
+        <p:cxnSp>
+          <p:nvCxnSpPr>
+            <p:cNvPr id="42" name="Curved Connector 41">
+              <a:extLst>
+                <a:ext uri="{FF2B5EF4-FFF2-40B4-BE49-F238E27FC236}">
+                  <a16:creationId xmlns:a16="http://schemas.microsoft.com/office/drawing/2014/main" id="{44A1603E-81DA-74FB-9C47-7FFB352F8A55}"/>
+                </a:ext>
+              </a:extLst>
+            </p:cNvPr>
+            <p:cNvCxnSpPr>
+              <a:cxnSpLocks/>
+              <a:stCxn id="8" idx="7"/>
+              <a:endCxn id="14" idx="2"/>
+            </p:cNvCxnSpPr>
+            <p:nvPr/>
+          </p:nvCxnSpPr>
+          <p:spPr>
+            <a:xfrm rot="5400000" flipH="1" flipV="1">
+              <a:off x="5323284" y="2499987"/>
+              <a:ext cx="667346" cy="1140516"/>
+            </a:xfrm>
+            <a:prstGeom prst="curvedConnector2">
+              <a:avLst/>
+            </a:prstGeom>
+            <a:ln w="38100">
+              <a:solidFill>
+                <a:schemeClr val="tx1">
+                  <a:lumMod val="50000"/>
+                  <a:lumOff val="50000"/>
+                </a:schemeClr>
+              </a:solidFill>
+              <a:prstDash val="dash"/>
+              <a:tailEnd type="triangle"/>
+            </a:ln>
+          </p:spPr>
+          <p:style>
+            <a:lnRef idx="1">
+              <a:schemeClr val="accent1"/>
+            </a:lnRef>
+            <a:fillRef idx="0">
+              <a:schemeClr val="accent1"/>
+            </a:fillRef>
+            <a:effectRef idx="0">
+              <a:schemeClr val="accent1"/>
+            </a:effectRef>
+            <a:fontRef idx="minor">
+              <a:schemeClr val="tx1"/>
+            </a:fontRef>
+          </p:style>
+        </p:cxnSp>
+        <p:cxnSp>
+          <p:nvCxnSpPr>
+            <p:cNvPr id="46" name="Curved Connector 45">
+              <a:extLst>
+                <a:ext uri="{FF2B5EF4-FFF2-40B4-BE49-F238E27FC236}">
+                  <a16:creationId xmlns:a16="http://schemas.microsoft.com/office/drawing/2014/main" id="{FEBCF9AB-9312-C3E0-6B7E-49C7B9E27185}"/>
+                </a:ext>
+              </a:extLst>
+            </p:cNvPr>
+            <p:cNvCxnSpPr>
+              <a:cxnSpLocks/>
+              <a:stCxn id="8" idx="5"/>
+              <a:endCxn id="14" idx="4"/>
+            </p:cNvCxnSpPr>
+            <p:nvPr/>
+          </p:nvCxnSpPr>
+          <p:spPr>
+            <a:xfrm rot="5400000" flipH="1" flipV="1">
+              <a:off x="6618818" y="2925031"/>
+              <a:ext cx="105148" cy="3169386"/>
+            </a:xfrm>
+            <a:prstGeom prst="curvedConnector3">
+              <a:avLst>
+                <a:gd name="adj1" fmla="val -445571"/>
+              </a:avLst>
+            </a:prstGeom>
+            <a:ln w="38100">
+              <a:solidFill>
+                <a:schemeClr val="tx1">
+                  <a:lumMod val="50000"/>
+                  <a:lumOff val="50000"/>
+                </a:schemeClr>
+              </a:solidFill>
+              <a:prstDash val="dash"/>
+              <a:tailEnd type="triangle"/>
+            </a:ln>
+          </p:spPr>
+          <p:style>
+            <a:lnRef idx="1">
+              <a:schemeClr val="accent1"/>
+            </a:lnRef>
+            <a:fillRef idx="0">
+              <a:schemeClr val="accent1"/>
+            </a:fillRef>
+            <a:effectRef idx="0">
+              <a:schemeClr val="accent1"/>
+            </a:effectRef>
+            <a:fontRef idx="minor">
+              <a:schemeClr val="tx1"/>
+            </a:fontRef>
+          </p:style>
+        </p:cxnSp>
+        <p:sp>
+          <p:nvSpPr>
+            <p:cNvPr id="53" name="TextBox 52">
+              <a:extLst>
+                <a:ext uri="{FF2B5EF4-FFF2-40B4-BE49-F238E27FC236}">
+                  <a16:creationId xmlns:a16="http://schemas.microsoft.com/office/drawing/2014/main" id="{0F8EFC2C-7C53-F7A6-01F3-96A9761F76F7}"/>
+                </a:ext>
+              </a:extLst>
+            </p:cNvPr>
+            <p:cNvSpPr txBox="1"/>
+            <p:nvPr/>
+          </p:nvSpPr>
+          <p:spPr>
+            <a:xfrm rot="20566063">
+              <a:off x="5823452" y="4104532"/>
+              <a:ext cx="1516451" cy="523220"/>
+            </a:xfrm>
+            <a:prstGeom prst="rect">
+              <a:avLst/>
+            </a:prstGeom>
+            <a:noFill/>
+            <a:ln>
+              <a:noFill/>
+            </a:ln>
+          </p:spPr>
+          <p:txBody>
+            <a:bodyPr wrap="square" rtlCol="0">
+              <a:spAutoFit/>
+            </a:bodyPr>
+            <a:lstStyle/>
+            <a:p>
+              <a:r>
+                <a:rPr lang="es-ES_tradnl" b="1" dirty="0">
+                  <a:solidFill>
+                    <a:schemeClr val="tx1">
+                      <a:lumMod val="65000"/>
+                      <a:lumOff val="35000"/>
+                    </a:schemeClr>
+                  </a:solidFill>
+                </a:rPr>
+                <a:t>Posibilidades Habilitadas</a:t>
+              </a:r>
+            </a:p>
+          </p:txBody>
+        </p:sp>
+        <p:sp>
+          <p:nvSpPr>
+            <p:cNvPr id="54" name="TextBox 53">
+              <a:extLst>
+                <a:ext uri="{FF2B5EF4-FFF2-40B4-BE49-F238E27FC236}">
+                  <a16:creationId xmlns:a16="http://schemas.microsoft.com/office/drawing/2014/main" id="{68C145C9-B070-12BA-7092-4271CAAA3354}"/>
+                </a:ext>
+              </a:extLst>
+            </p:cNvPr>
+            <p:cNvSpPr txBox="1"/>
+            <p:nvPr/>
+          </p:nvSpPr>
+          <p:spPr>
+            <a:xfrm>
+              <a:off x="3391138" y="3733737"/>
+              <a:ext cx="1753348" cy="923330"/>
+            </a:xfrm>
+            <a:prstGeom prst="rect">
+              <a:avLst/>
+            </a:prstGeom>
+            <a:noFill/>
+            <a:ln>
+              <a:noFill/>
+            </a:ln>
+          </p:spPr>
+          <p:txBody>
+            <a:bodyPr wrap="square" rtlCol="0">
+              <a:spAutoFit/>
+            </a:bodyPr>
+            <a:lstStyle/>
+            <a:p>
+              <a:pPr algn="r"/>
+              <a:r>
+                <a:rPr lang="es-ES_tradnl" sz="1800" i="1" dirty="0">
+                  <a:solidFill>
+                    <a:schemeClr val="tx1">
+                      <a:lumMod val="65000"/>
+                      <a:lumOff val="35000"/>
+                    </a:schemeClr>
+                  </a:solidFill>
+                  <a:latin typeface="Agency FB" panose="020B0503020202020204" pitchFamily="34" charset="77"/>
+                </a:rPr>
+                <a:t>¿Agencia y Coordinación desestabilizante?</a:t>
+              </a:r>
+            </a:p>
+          </p:txBody>
+        </p:sp>
+        <p:sp>
+          <p:nvSpPr>
+            <p:cNvPr id="60" name="TextBox 59">
+              <a:extLst>
+                <a:ext uri="{FF2B5EF4-FFF2-40B4-BE49-F238E27FC236}">
+                  <a16:creationId xmlns:a16="http://schemas.microsoft.com/office/drawing/2014/main" id="{BA7CD65B-2C36-BC4B-7801-F2A7965ECEB9}"/>
+                </a:ext>
+              </a:extLst>
+            </p:cNvPr>
+            <p:cNvSpPr txBox="1"/>
+            <p:nvPr/>
+          </p:nvSpPr>
+          <p:spPr>
+            <a:xfrm>
+              <a:off x="6150027" y="5497897"/>
+              <a:ext cx="2276049" cy="369332"/>
+            </a:xfrm>
+            <a:prstGeom prst="rect">
+              <a:avLst/>
+            </a:prstGeom>
+            <a:noFill/>
+            <a:ln>
+              <a:noFill/>
+            </a:ln>
+          </p:spPr>
+          <p:txBody>
+            <a:bodyPr wrap="square" rtlCol="0">
+              <a:spAutoFit/>
+            </a:bodyPr>
+            <a:lstStyle>
+              <a:defPPr marR="0" lvl="0" algn="l" rtl="0">
+                <a:lnSpc>
+                  <a:spcPct val="100000"/>
+                </a:lnSpc>
+                <a:spcBef>
+                  <a:spcPts val="0"/>
+                </a:spcBef>
+                <a:spcAft>
+                  <a:spcPts val="0"/>
+                </a:spcAft>
+              </a:defPPr>
+              <a:lvl1pPr algn="r">
+                <a:defRPr sz="1800" i="1">
+                  <a:solidFill>
+                    <a:schemeClr val="tx1">
+                      <a:lumMod val="65000"/>
+                      <a:lumOff val="35000"/>
+                    </a:schemeClr>
+                  </a:solidFill>
+                  <a:latin typeface="Agency FB" panose="020B0503020202020204" pitchFamily="34" charset="77"/>
+                </a:defRPr>
+              </a:lvl1pPr>
+            </a:lstStyle>
+            <a:p>
+              <a:pPr algn="ctr"/>
+              <a:r>
+                <a:rPr lang="es-ES_tradnl" dirty="0"/>
+                <a:t>Posibilidades No habilitadas</a:t>
+              </a:r>
+            </a:p>
+          </p:txBody>
+        </p:sp>
+        <p:sp>
+          <p:nvSpPr>
+            <p:cNvPr id="61" name="Cloud 60">
+              <a:extLst>
+                <a:ext uri="{FF2B5EF4-FFF2-40B4-BE49-F238E27FC236}">
+                  <a16:creationId xmlns:a16="http://schemas.microsoft.com/office/drawing/2014/main" id="{AA80CCEE-081B-3FE3-365D-9CA1D6902B45}"/>
+                </a:ext>
+              </a:extLst>
+            </p:cNvPr>
+            <p:cNvSpPr/>
+            <p:nvPr/>
+          </p:nvSpPr>
+          <p:spPr>
+            <a:xfrm>
+              <a:off x="5658411" y="5356337"/>
+              <a:ext cx="3585263" cy="725714"/>
+            </a:xfrm>
+            <a:prstGeom prst="cloud">
+              <a:avLst/>
+            </a:prstGeom>
+            <a:noFill/>
+            <a:ln>
+              <a:prstDash val="sysDot"/>
+            </a:ln>
+          </p:spPr>
+          <p:style>
+            <a:lnRef idx="2">
+              <a:schemeClr val="accent1">
+                <a:shade val="15000"/>
+              </a:schemeClr>
+            </a:lnRef>
+            <a:fillRef idx="1">
+              <a:schemeClr val="accent1"/>
+            </a:fillRef>
+            <a:effectRef idx="0">
+              <a:schemeClr val="accent1"/>
+            </a:effectRef>
+            <a:fontRef idx="minor">
+              <a:schemeClr val="lt1"/>
+            </a:fontRef>
+          </p:style>
+          <p:txBody>
+            <a:bodyPr rtlCol="0" anchor="ctr"/>
+            <a:lstStyle/>
+            <a:p>
+              <a:pPr algn="ctr"/>
+              <a:endParaRPr lang="es-ES_tradnl"/>
+            </a:p>
+          </p:txBody>
+        </p:sp>
+        <p:sp>
+          <p:nvSpPr>
+            <p:cNvPr id="115" name="TextBox 114">
+              <a:extLst>
+                <a:ext uri="{FF2B5EF4-FFF2-40B4-BE49-F238E27FC236}">
+                  <a16:creationId xmlns:a16="http://schemas.microsoft.com/office/drawing/2014/main" id="{15906BB8-1ABA-59DE-C1D6-F916F1A7B9FD}"/>
+                </a:ext>
+              </a:extLst>
+            </p:cNvPr>
+            <p:cNvSpPr txBox="1"/>
+            <p:nvPr/>
+          </p:nvSpPr>
+          <p:spPr>
+            <a:xfrm>
+              <a:off x="2291844" y="4748649"/>
+              <a:ext cx="1550828" cy="1200329"/>
+            </a:xfrm>
+            <a:prstGeom prst="rect">
+              <a:avLst/>
+            </a:prstGeom>
+            <a:noFill/>
+            <a:ln>
+              <a:noFill/>
+            </a:ln>
+          </p:spPr>
+          <p:txBody>
+            <a:bodyPr wrap="square" rtlCol="0">
+              <a:spAutoFit/>
+            </a:bodyPr>
+            <a:lstStyle/>
+            <a:p>
+              <a:pPr algn="ctr"/>
+              <a:r>
+                <a:rPr lang="es-ES_tradnl" sz="1800" i="1" dirty="0">
+                  <a:solidFill>
+                    <a:schemeClr val="tx1">
+                      <a:lumMod val="65000"/>
+                      <a:lumOff val="35000"/>
+                    </a:schemeClr>
+                  </a:solidFill>
+                  <a:latin typeface="Agency FB" panose="020B0503020202020204" pitchFamily="34" charset="77"/>
+                </a:rPr>
+                <a:t>¿Antecedentes  subnacionales de la tensión centro-periferia?</a:t>
+              </a:r>
+            </a:p>
+          </p:txBody>
+        </p:sp>
+        <p:cxnSp>
+          <p:nvCxnSpPr>
+            <p:cNvPr id="165" name="Curved Connector 164">
+              <a:extLst>
+                <a:ext uri="{FF2B5EF4-FFF2-40B4-BE49-F238E27FC236}">
+                  <a16:creationId xmlns:a16="http://schemas.microsoft.com/office/drawing/2014/main" id="{EF62C37F-03BF-676A-F180-E67C2757C949}"/>
+                </a:ext>
+              </a:extLst>
+            </p:cNvPr>
+            <p:cNvCxnSpPr>
+              <a:cxnSpLocks/>
+              <a:stCxn id="11" idx="6"/>
+              <a:endCxn id="172" idx="3"/>
+            </p:cNvCxnSpPr>
+            <p:nvPr/>
+          </p:nvCxnSpPr>
+          <p:spPr>
+            <a:xfrm flipH="1" flipV="1">
+              <a:off x="3385054" y="966275"/>
+              <a:ext cx="6423708" cy="1017929"/>
+            </a:xfrm>
+            <a:prstGeom prst="curvedConnector4">
+              <a:avLst>
+                <a:gd name="adj1" fmla="val -1525"/>
+                <a:gd name="adj2" fmla="val 142218"/>
+              </a:avLst>
+            </a:prstGeom>
+            <a:ln w="38100">
+              <a:solidFill>
+                <a:schemeClr val="tx1">
+                  <a:lumMod val="50000"/>
+                  <a:lumOff val="50000"/>
+                </a:schemeClr>
+              </a:solidFill>
+              <a:prstDash val="sysDot"/>
+              <a:headEnd type="triangle" w="med" len="med"/>
+              <a:tailEnd type="triangle" w="med" len="med"/>
+            </a:ln>
+          </p:spPr>
+          <p:style>
+            <a:lnRef idx="1">
+              <a:schemeClr val="accent1"/>
+            </a:lnRef>
+            <a:fillRef idx="0">
+              <a:schemeClr val="accent1"/>
+            </a:fillRef>
+            <a:effectRef idx="0">
+              <a:schemeClr val="accent1"/>
+            </a:effectRef>
+            <a:fontRef idx="minor">
+              <a:schemeClr val="tx1"/>
+            </a:fontRef>
+          </p:style>
+        </p:cxnSp>
+        <p:cxnSp>
+          <p:nvCxnSpPr>
+            <p:cNvPr id="168" name="Curved Connector 167">
+              <a:extLst>
+                <a:ext uri="{FF2B5EF4-FFF2-40B4-BE49-F238E27FC236}">
+                  <a16:creationId xmlns:a16="http://schemas.microsoft.com/office/drawing/2014/main" id="{C1048628-484C-D5A4-576F-F12DD7D7E560}"/>
+                </a:ext>
+              </a:extLst>
+            </p:cNvPr>
+            <p:cNvCxnSpPr>
+              <a:cxnSpLocks/>
+              <a:endCxn id="172" idx="0"/>
+            </p:cNvCxnSpPr>
+            <p:nvPr/>
+          </p:nvCxnSpPr>
+          <p:spPr>
+            <a:xfrm rot="16200000" flipH="1" flipV="1">
+              <a:off x="6605997" y="-387297"/>
+              <a:ext cx="243636" cy="3106235"/>
+            </a:xfrm>
+            <a:prstGeom prst="curvedConnector4">
+              <a:avLst>
+                <a:gd name="adj1" fmla="val -93828"/>
+                <a:gd name="adj2" fmla="val 61851"/>
+              </a:avLst>
+            </a:prstGeom>
+            <a:ln w="38100">
+              <a:solidFill>
+                <a:schemeClr val="tx1">
+                  <a:lumMod val="50000"/>
+                  <a:lumOff val="50000"/>
+                </a:schemeClr>
+              </a:solidFill>
+              <a:prstDash val="sysDot"/>
+              <a:headEnd type="triangle" w="med" len="med"/>
+              <a:tailEnd type="triangle" w="med" len="med"/>
+            </a:ln>
+          </p:spPr>
+          <p:style>
+            <a:lnRef idx="1">
+              <a:schemeClr val="accent1"/>
+            </a:lnRef>
+            <a:fillRef idx="0">
+              <a:schemeClr val="accent1"/>
+            </a:fillRef>
+            <a:effectRef idx="0">
+              <a:schemeClr val="accent1"/>
+            </a:effectRef>
+            <a:fontRef idx="minor">
+              <a:schemeClr val="tx1"/>
+            </a:fontRef>
+          </p:style>
+        </p:cxnSp>
+        <p:sp>
+          <p:nvSpPr>
+            <p:cNvPr id="171" name="TextBox 170">
+              <a:extLst>
+                <a:ext uri="{FF2B5EF4-FFF2-40B4-BE49-F238E27FC236}">
+                  <a16:creationId xmlns:a16="http://schemas.microsoft.com/office/drawing/2014/main" id="{4A0E1EF1-8A3A-8320-8574-D5A736F55BF0}"/>
+                </a:ext>
+              </a:extLst>
+            </p:cNvPr>
+            <p:cNvSpPr txBox="1"/>
+            <p:nvPr/>
+          </p:nvSpPr>
+          <p:spPr>
+            <a:xfrm>
+              <a:off x="1866324" y="1095370"/>
+              <a:ext cx="2863284" cy="338554"/>
+            </a:xfrm>
+            <a:prstGeom prst="rect">
+              <a:avLst/>
+            </a:prstGeom>
+            <a:noFill/>
+            <a:ln w="19050" cap="flat" cmpd="sng">
+              <a:noFill/>
+              <a:prstDash val="solid"/>
+              <a:miter lim="800000"/>
+              <a:headEnd type="none" w="sm" len="sm"/>
+              <a:tailEnd type="none" w="sm" len="sm"/>
+            </a:ln>
+          </p:spPr>
+          <p:txBody>
+            <a:bodyPr spcFirstLastPara="1" wrap="square" lIns="91425" tIns="45700" rIns="91425" bIns="45700" anchor="ctr" anchorCtr="0">
+              <a:noAutofit/>
+            </a:bodyPr>
+            <a:lstStyle>
+              <a:defPPr marR="0" lvl="0" algn="l" rtl="0">
+                <a:lnSpc>
+                  <a:spcPct val="100000"/>
+                </a:lnSpc>
+                <a:spcBef>
+                  <a:spcPts val="0"/>
+                </a:spcBef>
+                <a:spcAft>
+                  <a:spcPts val="0"/>
+                </a:spcAft>
+              </a:defPPr>
+              <a:lvl1pPr algn="ctr">
+                <a:defRPr sz="1600" b="1">
+                  <a:solidFill>
+                    <a:sysClr val="windowText" lastClr="000000"/>
+                  </a:solidFill>
+                </a:defRPr>
+              </a:lvl1pPr>
+            </a:lstStyle>
+            <a:p>
+              <a:r>
+                <a:rPr lang="es-ES_tradnl" dirty="0"/>
+                <a:t>¿CONTRAFACTUALES?</a:t>
+              </a:r>
+            </a:p>
+          </p:txBody>
+        </p:sp>
+        <p:sp>
+          <p:nvSpPr>
+            <p:cNvPr id="172" name="Cloud 171">
+              <a:extLst>
+                <a:ext uri="{FF2B5EF4-FFF2-40B4-BE49-F238E27FC236}">
+                  <a16:creationId xmlns:a16="http://schemas.microsoft.com/office/drawing/2014/main" id="{2F583529-05D8-36E7-481A-6D3EA398D184}"/>
+                </a:ext>
+              </a:extLst>
+            </p:cNvPr>
+            <p:cNvSpPr/>
+            <p:nvPr/>
+          </p:nvSpPr>
+          <p:spPr>
+            <a:xfrm>
+              <a:off x="1592422" y="924782"/>
+              <a:ext cx="3585263" cy="725714"/>
+            </a:xfrm>
+            <a:prstGeom prst="cloud">
+              <a:avLst/>
+            </a:prstGeom>
+            <a:noFill/>
+            <a:ln>
+              <a:prstDash val="sysDot"/>
+            </a:ln>
+          </p:spPr>
+          <p:style>
+            <a:lnRef idx="2">
+              <a:schemeClr val="accent1">
+                <a:shade val="15000"/>
+              </a:schemeClr>
+            </a:lnRef>
+            <a:fillRef idx="1">
+              <a:schemeClr val="accent1"/>
+            </a:fillRef>
+            <a:effectRef idx="0">
+              <a:schemeClr val="accent1"/>
+            </a:effectRef>
+            <a:fontRef idx="minor">
+              <a:schemeClr val="lt1"/>
+            </a:fontRef>
+          </p:style>
+          <p:txBody>
+            <a:bodyPr rtlCol="0" anchor="ctr"/>
+            <a:lstStyle/>
+            <a:p>
+              <a:pPr algn="ctr"/>
+              <a:endParaRPr lang="es-ES_tradnl"/>
+            </a:p>
+          </p:txBody>
+        </p:sp>
+        <p:sp>
+          <p:nvSpPr>
+            <p:cNvPr id="187" name="TextBox 186">
+              <a:extLst>
+                <a:ext uri="{FF2B5EF4-FFF2-40B4-BE49-F238E27FC236}">
+                  <a16:creationId xmlns:a16="http://schemas.microsoft.com/office/drawing/2014/main" id="{CBDDEBBD-F6F5-372E-DEC0-571F154BEA2C}"/>
+                </a:ext>
+              </a:extLst>
+            </p:cNvPr>
+            <p:cNvSpPr txBox="1"/>
+            <p:nvPr/>
+          </p:nvSpPr>
+          <p:spPr>
+            <a:xfrm>
+              <a:off x="7950730" y="2944839"/>
+              <a:ext cx="2102527" cy="403219"/>
+            </a:xfrm>
+            <a:prstGeom prst="rect">
+              <a:avLst/>
+            </a:prstGeom>
+            <a:noFill/>
+            <a:ln w="19050" cap="flat" cmpd="sng">
+              <a:noFill/>
+              <a:prstDash val="solid"/>
+              <a:miter lim="800000"/>
+              <a:headEnd type="none" w="sm" len="sm"/>
+              <a:tailEnd type="none" w="sm" len="sm"/>
+            </a:ln>
+          </p:spPr>
+          <p:txBody>
+            <a:bodyPr spcFirstLastPara="1" wrap="square" lIns="91425" tIns="45700" rIns="91425" bIns="45700" anchor="ctr" anchorCtr="0">
+              <a:noAutofit/>
+            </a:bodyPr>
+            <a:lstStyle>
+              <a:defPPr marR="0" lvl="0" algn="l" rtl="0">
+                <a:lnSpc>
+                  <a:spcPct val="100000"/>
+                </a:lnSpc>
+                <a:spcBef>
+                  <a:spcPts val="0"/>
+                </a:spcBef>
+                <a:spcAft>
+                  <a:spcPts val="0"/>
+                </a:spcAft>
+              </a:defPPr>
+              <a:lvl1pPr algn="ctr">
+                <a:defRPr sz="1600" b="1">
+                  <a:solidFill>
+                    <a:sysClr val="windowText" lastClr="000000"/>
+                  </a:solidFill>
+                </a:defRPr>
+              </a:lvl1pPr>
+            </a:lstStyle>
+            <a:p>
+              <a:pPr algn="r"/>
+              <a:r>
+                <a:rPr lang="es-PE" dirty="0"/>
+                <a:t>EXPANSION DEMOCRATICA</a:t>
+              </a:r>
+            </a:p>
+          </p:txBody>
+        </p:sp>
+        <p:sp>
+          <p:nvSpPr>
+            <p:cNvPr id="191" name="Google Shape;101;p13">
+              <a:extLst>
+                <a:ext uri="{FF2B5EF4-FFF2-40B4-BE49-F238E27FC236}">
+                  <a16:creationId xmlns:a16="http://schemas.microsoft.com/office/drawing/2014/main" id="{4DB871E9-DC71-9634-EA12-9648462CEA2E}"/>
+                </a:ext>
+              </a:extLst>
+            </p:cNvPr>
+            <p:cNvSpPr/>
+            <p:nvPr/>
+          </p:nvSpPr>
+          <p:spPr>
+            <a:xfrm rot="19142364">
+              <a:off x="6105089" y="1993758"/>
+              <a:ext cx="1865963" cy="584775"/>
+            </a:xfrm>
+            <a:prstGeom prst="rect">
+              <a:avLst/>
+            </a:prstGeom>
+            <a:noFill/>
+            <a:ln w="19050" cap="flat" cmpd="sng">
+              <a:noFill/>
+              <a:prstDash val="solid"/>
+              <a:miter lim="800000"/>
+              <a:headEnd type="none" w="sm" len="sm"/>
+              <a:tailEnd type="none" w="sm" len="sm"/>
+            </a:ln>
+          </p:spPr>
+          <p:txBody>
+            <a:bodyPr spcFirstLastPara="1" wrap="square" lIns="91425" tIns="45700" rIns="91425" bIns="45700" anchor="ctr" anchorCtr="0">
+              <a:noAutofit/>
+            </a:bodyPr>
+            <a:lstStyle/>
+            <a:p>
+              <a:pPr algn="ctr"/>
+              <a:r>
+                <a:rPr lang="es-PE" sz="1600" b="1" dirty="0">
+                  <a:solidFill>
+                    <a:sysClr val="windowText" lastClr="000000"/>
+                  </a:solidFill>
+                </a:rPr>
+                <a:t>¿EMERGENCIA?</a:t>
+              </a:r>
+              <a:endParaRPr sz="1600" b="1" dirty="0">
+                <a:solidFill>
+                  <a:sysClr val="windowText" lastClr="000000"/>
+                </a:solidFill>
+              </a:endParaRPr>
+            </a:p>
+          </p:txBody>
+        </p:sp>
+        <p:sp>
+          <p:nvSpPr>
+            <p:cNvPr id="192" name="Google Shape;101;p13">
+              <a:extLst>
+                <a:ext uri="{FF2B5EF4-FFF2-40B4-BE49-F238E27FC236}">
+                  <a16:creationId xmlns:a16="http://schemas.microsoft.com/office/drawing/2014/main" id="{FAD0E171-599E-B291-3DB4-3DA4C9E75E99}"/>
+                </a:ext>
+              </a:extLst>
+            </p:cNvPr>
+            <p:cNvSpPr/>
+            <p:nvPr/>
+          </p:nvSpPr>
+          <p:spPr>
+            <a:xfrm rot="19018626">
+              <a:off x="6288268" y="2448268"/>
+              <a:ext cx="2227027" cy="369332"/>
+            </a:xfrm>
+            <a:prstGeom prst="rect">
+              <a:avLst/>
+            </a:prstGeom>
+            <a:noFill/>
+            <a:ln>
+              <a:noFill/>
+            </a:ln>
+          </p:spPr>
+          <p:txBody>
+            <a:bodyPr wrap="square" rtlCol="0">
+              <a:spAutoFit/>
+            </a:bodyPr>
+            <a:lstStyle/>
+            <a:p>
+              <a:pPr algn="r"/>
+              <a:r>
+                <a:rPr lang="es-PE" sz="1800" i="1" dirty="0">
+                  <a:solidFill>
+                    <a:schemeClr val="tx1">
+                      <a:lumMod val="65000"/>
+                      <a:lumOff val="35000"/>
+                    </a:schemeClr>
+                  </a:solidFill>
+                  <a:latin typeface="Agency FB" panose="020B0503020202020204" pitchFamily="34" charset="77"/>
+                </a:rPr>
+                <a:t>¿Respuestas Reversivas?</a:t>
+              </a:r>
+            </a:p>
+          </p:txBody>
+        </p:sp>
+        <p:cxnSp>
+          <p:nvCxnSpPr>
+            <p:cNvPr id="193" name="Straight Arrow Connector 192">
+              <a:extLst>
+                <a:ext uri="{FF2B5EF4-FFF2-40B4-BE49-F238E27FC236}">
+                  <a16:creationId xmlns:a16="http://schemas.microsoft.com/office/drawing/2014/main" id="{12D437D7-E2C9-0588-DC69-1078835958BA}"/>
+                </a:ext>
+              </a:extLst>
+            </p:cNvPr>
+            <p:cNvCxnSpPr>
+              <a:cxnSpLocks/>
+            </p:cNvCxnSpPr>
+            <p:nvPr/>
+          </p:nvCxnSpPr>
+          <p:spPr>
+            <a:xfrm flipV="1">
+              <a:off x="6591296" y="1876118"/>
+              <a:ext cx="1893727" cy="1717036"/>
+            </a:xfrm>
+            <a:prstGeom prst="straightConnector1">
+              <a:avLst/>
+            </a:prstGeom>
+            <a:noFill/>
+            <a:ln w="57150" cap="flat" cmpd="sng">
+              <a:solidFill>
+                <a:schemeClr val="tx1"/>
+              </a:solidFill>
+              <a:prstDash val="solid"/>
+              <a:miter lim="800000"/>
+              <a:headEnd type="arrow" w="med" len="med"/>
+              <a:tailEnd type="none" w="med" len="med"/>
+            </a:ln>
+          </p:spPr>
+        </p:cxnSp>
+        <p:cxnSp>
+          <p:nvCxnSpPr>
+            <p:cNvPr id="194" name="Straight Arrow Connector 193">
+              <a:extLst>
+                <a:ext uri="{FF2B5EF4-FFF2-40B4-BE49-F238E27FC236}">
+                  <a16:creationId xmlns:a16="http://schemas.microsoft.com/office/drawing/2014/main" id="{D8304B2B-B88B-2AB3-1740-98DCD625FD92}"/>
+                </a:ext>
+              </a:extLst>
+            </p:cNvPr>
+            <p:cNvCxnSpPr>
+              <a:cxnSpLocks/>
+            </p:cNvCxnSpPr>
+            <p:nvPr/>
+          </p:nvCxnSpPr>
+          <p:spPr>
+            <a:xfrm flipV="1">
+              <a:off x="6525980" y="1573565"/>
+              <a:ext cx="1579101" cy="1431765"/>
+            </a:xfrm>
+            <a:prstGeom prst="straightConnector1">
+              <a:avLst/>
+            </a:prstGeom>
+            <a:noFill/>
+            <a:ln w="57150" cap="flat" cmpd="sng">
+              <a:solidFill>
+                <a:schemeClr val="tx1"/>
+              </a:solidFill>
+              <a:prstDash val="solid"/>
+              <a:miter lim="800000"/>
+              <a:headEnd type="none" w="med" len="med"/>
+              <a:tailEnd type="arrow" w="med" len="med"/>
+            </a:ln>
+          </p:spPr>
+        </p:cxnSp>
+        <p:sp>
+          <p:nvSpPr>
+            <p:cNvPr id="199" name="Google Shape;101;p13">
+              <a:extLst>
+                <a:ext uri="{FF2B5EF4-FFF2-40B4-BE49-F238E27FC236}">
+                  <a16:creationId xmlns:a16="http://schemas.microsoft.com/office/drawing/2014/main" id="{A3B768BD-BA5D-29FB-62AB-4AFDFE5283D8}"/>
+                </a:ext>
+              </a:extLst>
+            </p:cNvPr>
+            <p:cNvSpPr/>
+            <p:nvPr/>
+          </p:nvSpPr>
+          <p:spPr>
+            <a:xfrm rot="19142364">
+              <a:off x="1670972" y="2770271"/>
+              <a:ext cx="1865963" cy="584775"/>
+            </a:xfrm>
+            <a:prstGeom prst="rect">
+              <a:avLst/>
+            </a:prstGeom>
+            <a:noFill/>
+            <a:ln w="19050" cap="flat" cmpd="sng">
+              <a:noFill/>
+              <a:prstDash val="solid"/>
+              <a:miter lim="800000"/>
+              <a:headEnd type="none" w="sm" len="sm"/>
+              <a:tailEnd type="none" w="sm" len="sm"/>
+            </a:ln>
+          </p:spPr>
+          <p:txBody>
+            <a:bodyPr spcFirstLastPara="1" wrap="square" lIns="91425" tIns="45700" rIns="91425" bIns="45700" anchor="ctr" anchorCtr="0">
+              <a:noAutofit/>
+            </a:bodyPr>
+            <a:lstStyle/>
+            <a:p>
+              <a:pPr algn="ctr"/>
+              <a:r>
+                <a:rPr lang="es-PE" sz="1600" b="1" dirty="0">
+                  <a:solidFill>
+                    <a:sysClr val="windowText" lastClr="000000"/>
+                  </a:solidFill>
+                </a:rPr>
+                <a:t>¿EMERGENCIA?</a:t>
+              </a:r>
+              <a:endParaRPr sz="1600" b="1" dirty="0">
+                <a:solidFill>
+                  <a:sysClr val="windowText" lastClr="000000"/>
+                </a:solidFill>
+              </a:endParaRPr>
+            </a:p>
+          </p:txBody>
+        </p:sp>
+        <p:sp>
+          <p:nvSpPr>
+            <p:cNvPr id="200" name="Google Shape;101;p13">
+              <a:extLst>
+                <a:ext uri="{FF2B5EF4-FFF2-40B4-BE49-F238E27FC236}">
+                  <a16:creationId xmlns:a16="http://schemas.microsoft.com/office/drawing/2014/main" id="{6C81FCB6-C293-5B62-AF41-7E1D4B358C0C}"/>
+                </a:ext>
+              </a:extLst>
+            </p:cNvPr>
+            <p:cNvSpPr/>
+            <p:nvPr/>
+          </p:nvSpPr>
+          <p:spPr>
+            <a:xfrm rot="19018626">
+              <a:off x="1854151" y="3224781"/>
+              <a:ext cx="2227027" cy="369332"/>
+            </a:xfrm>
+            <a:prstGeom prst="rect">
+              <a:avLst/>
+            </a:prstGeom>
+            <a:noFill/>
+            <a:ln>
+              <a:noFill/>
+            </a:ln>
+          </p:spPr>
+          <p:txBody>
+            <a:bodyPr wrap="square" rtlCol="0">
+              <a:spAutoFit/>
+            </a:bodyPr>
+            <a:lstStyle/>
+            <a:p>
+              <a:pPr algn="r"/>
+              <a:r>
+                <a:rPr lang="es-PE" sz="1800" i="1" dirty="0">
+                  <a:solidFill>
+                    <a:schemeClr val="tx1">
+                      <a:lumMod val="65000"/>
+                      <a:lumOff val="35000"/>
+                    </a:schemeClr>
+                  </a:solidFill>
+                  <a:latin typeface="Agency FB" panose="020B0503020202020204" pitchFamily="34" charset="77"/>
+                </a:rPr>
+                <a:t>¿Respuestas Reversivas?</a:t>
+              </a:r>
+            </a:p>
+          </p:txBody>
+        </p:sp>
+        <p:cxnSp>
+          <p:nvCxnSpPr>
+            <p:cNvPr id="201" name="Straight Arrow Connector 200">
+              <a:extLst>
+                <a:ext uri="{FF2B5EF4-FFF2-40B4-BE49-F238E27FC236}">
+                  <a16:creationId xmlns:a16="http://schemas.microsoft.com/office/drawing/2014/main" id="{7C483386-4948-19A2-F3FC-F5CE910982CA}"/>
+                </a:ext>
+              </a:extLst>
+            </p:cNvPr>
+            <p:cNvCxnSpPr>
+              <a:cxnSpLocks/>
+            </p:cNvCxnSpPr>
+            <p:nvPr/>
+          </p:nvCxnSpPr>
+          <p:spPr>
+            <a:xfrm flipV="1">
+              <a:off x="2157179" y="2652631"/>
+              <a:ext cx="1893727" cy="1717036"/>
+            </a:xfrm>
+            <a:prstGeom prst="straightConnector1">
+              <a:avLst/>
+            </a:prstGeom>
+            <a:noFill/>
+            <a:ln w="57150" cap="flat" cmpd="sng">
+              <a:solidFill>
+                <a:schemeClr val="tx1"/>
+              </a:solidFill>
+              <a:prstDash val="solid"/>
+              <a:miter lim="800000"/>
+              <a:headEnd type="arrow" w="med" len="med"/>
+              <a:tailEnd type="none" w="med" len="med"/>
+            </a:ln>
+          </p:spPr>
+        </p:cxnSp>
+        <p:cxnSp>
+          <p:nvCxnSpPr>
+            <p:cNvPr id="202" name="Straight Arrow Connector 201">
+              <a:extLst>
+                <a:ext uri="{FF2B5EF4-FFF2-40B4-BE49-F238E27FC236}">
+                  <a16:creationId xmlns:a16="http://schemas.microsoft.com/office/drawing/2014/main" id="{7269D0D6-AD3B-15FF-3F76-2851CF8FA3BD}"/>
+                </a:ext>
+              </a:extLst>
+            </p:cNvPr>
+            <p:cNvCxnSpPr>
+              <a:cxnSpLocks/>
+            </p:cNvCxnSpPr>
+            <p:nvPr/>
+          </p:nvCxnSpPr>
+          <p:spPr>
+            <a:xfrm flipV="1">
+              <a:off x="2091863" y="2350078"/>
+              <a:ext cx="1579101" cy="1431765"/>
+            </a:xfrm>
+            <a:prstGeom prst="straightConnector1">
+              <a:avLst/>
+            </a:prstGeom>
+            <a:noFill/>
+            <a:ln w="57150" cap="flat" cmpd="sng">
+              <a:solidFill>
+                <a:schemeClr val="tx1"/>
+              </a:solidFill>
+              <a:prstDash val="solid"/>
+              <a:miter lim="800000"/>
+              <a:headEnd type="none" w="med" len="med"/>
+              <a:tailEnd type="arrow" w="med" len="med"/>
+            </a:ln>
+          </p:spPr>
+        </p:cxnSp>
+      </p:grpSp>
+    </p:spTree>
+    <p:extLst>
+      <p:ext uri="{BB962C8B-B14F-4D97-AF65-F5344CB8AC3E}">
+        <p14:creationId xmlns:p14="http://schemas.microsoft.com/office/powerpoint/2010/main" val="2041844552"/>
+      </p:ext>
+    </p:extLst>
+  </p:cSld>
+  <p:clrMapOvr>
+    <a:masterClrMapping/>
+  </p:clrMapOvr>
+</p:sld>
+</file>
+
+<file path=ppt/slides/slide4.xml><?xml version="1.0" encoding="utf-8"?>
+<p:sld xmlns:a="http://schemas.openxmlformats.org/drawingml/2006/main" xmlns:r="http://schemas.openxmlformats.org/officeDocument/2006/relationships" xmlns:p="http://schemas.openxmlformats.org/presentationml/2006/main">
+  <p:cSld>
+    <p:spTree>
+      <p:nvGrpSpPr>
+        <p:cNvPr id="1" name="Shape 83">
+          <a:extLst>
+            <a:ext uri="{FF2B5EF4-FFF2-40B4-BE49-F238E27FC236}">
               <a16:creationId xmlns:a16="http://schemas.microsoft.com/office/drawing/2014/main" id="{0984DD30-38D3-D436-9B86-C9D3A1AC7536}"/>
             </a:ext>
           </a:extLst>
